--- a/doc/figures/mf6definition.pptx
+++ b/doc/figures/mf6definition.pptx
@@ -2,18 +2,18 @@
 <file path=ppt/presentation.xml><?xml version="1.0" encoding="utf-8"?>
 <p:presentation xmlns:a="http://schemas.openxmlformats.org/drawingml/2006/main" xmlns:r="http://schemas.openxmlformats.org/officeDocument/2006/relationships" xmlns:p="http://schemas.openxmlformats.org/presentationml/2006/main" saveSubsetFonts="1" autoCompressPictures="0">
   <p:sldMasterIdLst>
-    <p:sldMasterId id="2147483648" r:id="rId1"/>
+    <p:sldMasterId id="2147483708" r:id="rId1"/>
   </p:sldMasterIdLst>
   <p:sldIdLst>
     <p:sldId id="256" r:id="rId2"/>
   </p:sldIdLst>
-  <p:sldSz cx="12192000" cy="6858000"/>
+  <p:sldSz cx="6172200" cy="4114800"/>
   <p:notesSz cx="6858000" cy="9144000"/>
   <p:defaultTextStyle>
     <a:defPPr>
       <a:defRPr lang="en-US"/>
     </a:defPPr>
-    <a:lvl1pPr marL="0" algn="l" defTabSz="914400" rtl="0" eaLnBrk="1" latinLnBrk="0" hangingPunct="1">
+    <a:lvl1pPr marL="0" algn="l" defTabSz="457200" rtl="0" eaLnBrk="1" latinLnBrk="0" hangingPunct="1">
       <a:defRPr sz="1800" kern="1200">
         <a:solidFill>
           <a:schemeClr val="tx1"/>
@@ -23,7 +23,7 @@
         <a:cs typeface="+mn-cs"/>
       </a:defRPr>
     </a:lvl1pPr>
-    <a:lvl2pPr marL="457200" algn="l" defTabSz="914400" rtl="0" eaLnBrk="1" latinLnBrk="0" hangingPunct="1">
+    <a:lvl2pPr marL="457200" algn="l" defTabSz="457200" rtl="0" eaLnBrk="1" latinLnBrk="0" hangingPunct="1">
       <a:defRPr sz="1800" kern="1200">
         <a:solidFill>
           <a:schemeClr val="tx1"/>
@@ -33,7 +33,7 @@
         <a:cs typeface="+mn-cs"/>
       </a:defRPr>
     </a:lvl2pPr>
-    <a:lvl3pPr marL="914400" algn="l" defTabSz="914400" rtl="0" eaLnBrk="1" latinLnBrk="0" hangingPunct="1">
+    <a:lvl3pPr marL="914400" algn="l" defTabSz="457200" rtl="0" eaLnBrk="1" latinLnBrk="0" hangingPunct="1">
       <a:defRPr sz="1800" kern="1200">
         <a:solidFill>
           <a:schemeClr val="tx1"/>
@@ -43,7 +43,7 @@
         <a:cs typeface="+mn-cs"/>
       </a:defRPr>
     </a:lvl3pPr>
-    <a:lvl4pPr marL="1371600" algn="l" defTabSz="914400" rtl="0" eaLnBrk="1" latinLnBrk="0" hangingPunct="1">
+    <a:lvl4pPr marL="1371600" algn="l" defTabSz="457200" rtl="0" eaLnBrk="1" latinLnBrk="0" hangingPunct="1">
       <a:defRPr sz="1800" kern="1200">
         <a:solidFill>
           <a:schemeClr val="tx1"/>
@@ -53,7 +53,7 @@
         <a:cs typeface="+mn-cs"/>
       </a:defRPr>
     </a:lvl4pPr>
-    <a:lvl5pPr marL="1828800" algn="l" defTabSz="914400" rtl="0" eaLnBrk="1" latinLnBrk="0" hangingPunct="1">
+    <a:lvl5pPr marL="1828800" algn="l" defTabSz="457200" rtl="0" eaLnBrk="1" latinLnBrk="0" hangingPunct="1">
       <a:defRPr sz="1800" kern="1200">
         <a:solidFill>
           <a:schemeClr val="tx1"/>
@@ -63,7 +63,7 @@
         <a:cs typeface="+mn-cs"/>
       </a:defRPr>
     </a:lvl5pPr>
-    <a:lvl6pPr marL="2286000" algn="l" defTabSz="914400" rtl="0" eaLnBrk="1" latinLnBrk="0" hangingPunct="1">
+    <a:lvl6pPr marL="2286000" algn="l" defTabSz="457200" rtl="0" eaLnBrk="1" latinLnBrk="0" hangingPunct="1">
       <a:defRPr sz="1800" kern="1200">
         <a:solidFill>
           <a:schemeClr val="tx1"/>
@@ -73,7 +73,7 @@
         <a:cs typeface="+mn-cs"/>
       </a:defRPr>
     </a:lvl6pPr>
-    <a:lvl7pPr marL="2743200" algn="l" defTabSz="914400" rtl="0" eaLnBrk="1" latinLnBrk="0" hangingPunct="1">
+    <a:lvl7pPr marL="2743200" algn="l" defTabSz="457200" rtl="0" eaLnBrk="1" latinLnBrk="0" hangingPunct="1">
       <a:defRPr sz="1800" kern="1200">
         <a:solidFill>
           <a:schemeClr val="tx1"/>
@@ -83,7 +83,7 @@
         <a:cs typeface="+mn-cs"/>
       </a:defRPr>
     </a:lvl7pPr>
-    <a:lvl8pPr marL="3200400" algn="l" defTabSz="914400" rtl="0" eaLnBrk="1" latinLnBrk="0" hangingPunct="1">
+    <a:lvl8pPr marL="3200400" algn="l" defTabSz="457200" rtl="0" eaLnBrk="1" latinLnBrk="0" hangingPunct="1">
       <a:defRPr sz="1800" kern="1200">
         <a:solidFill>
           <a:schemeClr val="tx1"/>
@@ -93,7 +93,7 @@
         <a:cs typeface="+mn-cs"/>
       </a:defRPr>
     </a:lvl8pPr>
-    <a:lvl9pPr marL="3657600" algn="l" defTabSz="914400" rtl="0" eaLnBrk="1" latinLnBrk="0" hangingPunct="1">
+    <a:lvl9pPr marL="3657600" algn="l" defTabSz="457200" rtl="0" eaLnBrk="1" latinLnBrk="0" hangingPunct="1">
       <a:defRPr sz="1800" kern="1200">
         <a:solidFill>
           <a:schemeClr val="tx1"/>
@@ -107,12 +107,12 @@
   <p:extLst>
     <p:ext uri="{EFAFB233-063F-42B5-8137-9DF3F51BA10A}">
       <p15:sldGuideLst xmlns:p15="http://schemas.microsoft.com/office/powerpoint/2012/main">
-        <p15:guide id="1" orient="horz" pos="2160" userDrawn="1">
+        <p15:guide id="1" orient="horz" pos="1296" userDrawn="1">
           <p15:clr>
             <a:srgbClr val="A4A3A4"/>
           </p15:clr>
         </p15:guide>
-        <p15:guide id="2" pos="3840" userDrawn="1">
+        <p15:guide id="2" pos="1944" userDrawn="1">
           <p15:clr>
             <a:srgbClr val="A4A3A4"/>
           </p15:clr>
@@ -142,13 +142,7 @@
       </p:grpSpPr>
       <p:sp>
         <p:nvSpPr>
-          <p:cNvPr id="2" name="Title 1">
-            <a:extLst>
-              <a:ext uri="{FF2B5EF4-FFF2-40B4-BE49-F238E27FC236}">
-                <a16:creationId xmlns:a16="http://schemas.microsoft.com/office/drawing/2014/main" id="{5FA46285-16A3-A844-AB61-1F035BD090AB}"/>
-              </a:ext>
-            </a:extLst>
-          </p:cNvPr>
+          <p:cNvPr id="2" name="Title 1"/>
           <p:cNvSpPr>
             <a:spLocks noGrp="1"/>
           </p:cNvSpPr>
@@ -158,15 +152,15 @@
         </p:nvSpPr>
         <p:spPr>
           <a:xfrm>
-            <a:off x="1524000" y="1122363"/>
-            <a:ext cx="9144000" cy="2387600"/>
+            <a:off x="462915" y="673418"/>
+            <a:ext cx="5246370" cy="1432560"/>
           </a:xfrm>
         </p:spPr>
         <p:txBody>
           <a:bodyPr anchor="b"/>
           <a:lstStyle>
             <a:lvl1pPr algn="ctr">
-              <a:defRPr sz="6000"/>
+              <a:defRPr sz="3600"/>
             </a:lvl1pPr>
           </a:lstStyle>
           <a:p>
@@ -174,18 +168,13 @@
               <a:rPr lang="en-US"/>
               <a:t>Click to edit Master title style</a:t>
             </a:r>
-          </a:p>
-        </p:txBody>
-      </p:sp>
-      <p:sp>
-        <p:nvSpPr>
-          <p:cNvPr id="3" name="Subtitle 2">
-            <a:extLst>
-              <a:ext uri="{FF2B5EF4-FFF2-40B4-BE49-F238E27FC236}">
-                <a16:creationId xmlns:a16="http://schemas.microsoft.com/office/drawing/2014/main" id="{E0F8A38C-15F1-4F40-9CC1-5F8A0A300A26}"/>
-              </a:ext>
-            </a:extLst>
-          </p:cNvPr>
+            <a:endParaRPr lang="en-US" dirty="0"/>
+          </a:p>
+        </p:txBody>
+      </p:sp>
+      <p:sp>
+        <p:nvSpPr>
+          <p:cNvPr id="3" name="Subtitle 2"/>
           <p:cNvSpPr>
             <a:spLocks noGrp="1"/>
           </p:cNvSpPr>
@@ -195,8 +184,8 @@
         </p:nvSpPr>
         <p:spPr>
           <a:xfrm>
-            <a:off x="1524000" y="3602038"/>
-            <a:ext cx="9144000" cy="1655762"/>
+            <a:off x="771525" y="2161223"/>
+            <a:ext cx="4629150" cy="993457"/>
           </a:xfrm>
         </p:spPr>
         <p:txBody>
@@ -204,39 +193,39 @@
           <a:lstStyle>
             <a:lvl1pPr marL="0" indent="0" algn="ctr">
               <a:buNone/>
-              <a:defRPr sz="2400"/>
+              <a:defRPr sz="1440"/>
             </a:lvl1pPr>
-            <a:lvl2pPr marL="457200" indent="0" algn="ctr">
-              <a:buNone/>
-              <a:defRPr sz="2000"/>
+            <a:lvl2pPr marL="274320" indent="0" algn="ctr">
+              <a:buNone/>
+              <a:defRPr sz="1200"/>
             </a:lvl2pPr>
-            <a:lvl3pPr marL="914400" indent="0" algn="ctr">
-              <a:buNone/>
-              <a:defRPr sz="1800"/>
+            <a:lvl3pPr marL="548640" indent="0" algn="ctr">
+              <a:buNone/>
+              <a:defRPr sz="1080"/>
             </a:lvl3pPr>
-            <a:lvl4pPr marL="1371600" indent="0" algn="ctr">
-              <a:buNone/>
-              <a:defRPr sz="1600"/>
+            <a:lvl4pPr marL="822960" indent="0" algn="ctr">
+              <a:buNone/>
+              <a:defRPr sz="960"/>
             </a:lvl4pPr>
-            <a:lvl5pPr marL="1828800" indent="0" algn="ctr">
-              <a:buNone/>
-              <a:defRPr sz="1600"/>
+            <a:lvl5pPr marL="1097280" indent="0" algn="ctr">
+              <a:buNone/>
+              <a:defRPr sz="960"/>
             </a:lvl5pPr>
-            <a:lvl6pPr marL="2286000" indent="0" algn="ctr">
-              <a:buNone/>
-              <a:defRPr sz="1600"/>
+            <a:lvl6pPr marL="1371600" indent="0" algn="ctr">
+              <a:buNone/>
+              <a:defRPr sz="960"/>
             </a:lvl6pPr>
-            <a:lvl7pPr marL="2743200" indent="0" algn="ctr">
-              <a:buNone/>
-              <a:defRPr sz="1600"/>
+            <a:lvl7pPr marL="1645920" indent="0" algn="ctr">
+              <a:buNone/>
+              <a:defRPr sz="960"/>
             </a:lvl7pPr>
-            <a:lvl8pPr marL="3200400" indent="0" algn="ctr">
-              <a:buNone/>
-              <a:defRPr sz="1600"/>
+            <a:lvl8pPr marL="1920240" indent="0" algn="ctr">
+              <a:buNone/>
+              <a:defRPr sz="960"/>
             </a:lvl8pPr>
-            <a:lvl9pPr marL="3657600" indent="0" algn="ctr">
-              <a:buNone/>
-              <a:defRPr sz="1600"/>
+            <a:lvl9pPr marL="2194560" indent="0" algn="ctr">
+              <a:buNone/>
+              <a:defRPr sz="960"/>
             </a:lvl9pPr>
           </a:lstStyle>
           <a:p>
@@ -244,18 +233,13 @@
               <a:rPr lang="en-US"/>
               <a:t>Click to edit Master subtitle style</a:t>
             </a:r>
-          </a:p>
-        </p:txBody>
-      </p:sp>
-      <p:sp>
-        <p:nvSpPr>
-          <p:cNvPr id="4" name="Date Placeholder 3">
-            <a:extLst>
-              <a:ext uri="{FF2B5EF4-FFF2-40B4-BE49-F238E27FC236}">
-                <a16:creationId xmlns:a16="http://schemas.microsoft.com/office/drawing/2014/main" id="{58D9B2A6-F5E3-5848-BB91-CB97DE11D3E9}"/>
-              </a:ext>
-            </a:extLst>
-          </p:cNvPr>
+            <a:endParaRPr lang="en-US" dirty="0"/>
+          </a:p>
+        </p:txBody>
+      </p:sp>
+      <p:sp>
+        <p:nvSpPr>
+          <p:cNvPr id="4" name="Date Placeholder 3"/>
           <p:cNvSpPr>
             <a:spLocks noGrp="1"/>
           </p:cNvSpPr>
@@ -270,7 +254,7 @@
           <a:p>
             <a:fld id="{DCE0A673-C478-6D4D-A4B7-394B079139A0}" type="datetimeFigureOut">
               <a:rPr lang="en-US" smtClean="0"/>
-              <a:t>10/25/21</a:t>
+              <a:t>7/29/22</a:t>
             </a:fld>
             <a:endParaRPr lang="en-US"/>
           </a:p>
@@ -278,13 +262,7 @@
       </p:sp>
       <p:sp>
         <p:nvSpPr>
-          <p:cNvPr id="5" name="Footer Placeholder 4">
-            <a:extLst>
-              <a:ext uri="{FF2B5EF4-FFF2-40B4-BE49-F238E27FC236}">
-                <a16:creationId xmlns:a16="http://schemas.microsoft.com/office/drawing/2014/main" id="{7434E15F-D2BD-6F4A-810D-B5499C11ACAA}"/>
-              </a:ext>
-            </a:extLst>
-          </p:cNvPr>
+          <p:cNvPr id="5" name="Footer Placeholder 4"/>
           <p:cNvSpPr>
             <a:spLocks noGrp="1"/>
           </p:cNvSpPr>
@@ -303,13 +281,7 @@
       </p:sp>
       <p:sp>
         <p:nvSpPr>
-          <p:cNvPr id="6" name="Slide Number Placeholder 5">
-            <a:extLst>
-              <a:ext uri="{FF2B5EF4-FFF2-40B4-BE49-F238E27FC236}">
-                <a16:creationId xmlns:a16="http://schemas.microsoft.com/office/drawing/2014/main" id="{FC0D46B7-BBE5-EF44-909A-732E5A83080B}"/>
-              </a:ext>
-            </a:extLst>
-          </p:cNvPr>
+          <p:cNvPr id="6" name="Slide Number Placeholder 5"/>
           <p:cNvSpPr>
             <a:spLocks noGrp="1"/>
           </p:cNvSpPr>
@@ -333,7 +305,7 @@
     </p:spTree>
     <p:extLst>
       <p:ext uri="{BB962C8B-B14F-4D97-AF65-F5344CB8AC3E}">
-        <p14:creationId xmlns:p14="http://schemas.microsoft.com/office/powerpoint/2010/main" val="62018231"/>
+        <p14:creationId xmlns:p14="http://schemas.microsoft.com/office/powerpoint/2010/main" val="1467933159"/>
       </p:ext>
     </p:extLst>
   </p:cSld>
@@ -362,13 +334,7 @@
       </p:grpSpPr>
       <p:sp>
         <p:nvSpPr>
-          <p:cNvPr id="2" name="Title 1">
-            <a:extLst>
-              <a:ext uri="{FF2B5EF4-FFF2-40B4-BE49-F238E27FC236}">
-                <a16:creationId xmlns:a16="http://schemas.microsoft.com/office/drawing/2014/main" id="{DE05C08E-48DB-EF40-8C5C-F7CABA48D843}"/>
-              </a:ext>
-            </a:extLst>
-          </p:cNvPr>
+          <p:cNvPr id="2" name="Title 1"/>
           <p:cNvSpPr>
             <a:spLocks noGrp="1"/>
           </p:cNvSpPr>
@@ -385,18 +351,13 @@
               <a:rPr lang="en-US"/>
               <a:t>Click to edit Master title style</a:t>
             </a:r>
-          </a:p>
-        </p:txBody>
-      </p:sp>
-      <p:sp>
-        <p:nvSpPr>
-          <p:cNvPr id="3" name="Vertical Text Placeholder 2">
-            <a:extLst>
-              <a:ext uri="{FF2B5EF4-FFF2-40B4-BE49-F238E27FC236}">
-                <a16:creationId xmlns:a16="http://schemas.microsoft.com/office/drawing/2014/main" id="{1BD68969-A7FA-484D-B7DD-30F7677CEA80}"/>
-              </a:ext>
-            </a:extLst>
-          </p:cNvPr>
+            <a:endParaRPr lang="en-US" dirty="0"/>
+          </a:p>
+        </p:txBody>
+      </p:sp>
+      <p:sp>
+        <p:nvSpPr>
+          <p:cNvPr id="3" name="Vertical Text Placeholder 2"/>
           <p:cNvSpPr>
             <a:spLocks noGrp="1"/>
           </p:cNvSpPr>
@@ -442,18 +403,13 @@
               <a:rPr lang="en-US"/>
               <a:t>Fifth level</a:t>
             </a:r>
-          </a:p>
-        </p:txBody>
-      </p:sp>
-      <p:sp>
-        <p:nvSpPr>
-          <p:cNvPr id="4" name="Date Placeholder 3">
-            <a:extLst>
-              <a:ext uri="{FF2B5EF4-FFF2-40B4-BE49-F238E27FC236}">
-                <a16:creationId xmlns:a16="http://schemas.microsoft.com/office/drawing/2014/main" id="{5B76DEC4-2190-3A41-AF3D-2CE1A74D9AEB}"/>
-              </a:ext>
-            </a:extLst>
-          </p:cNvPr>
+            <a:endParaRPr lang="en-US" dirty="0"/>
+          </a:p>
+        </p:txBody>
+      </p:sp>
+      <p:sp>
+        <p:nvSpPr>
+          <p:cNvPr id="4" name="Date Placeholder 3"/>
           <p:cNvSpPr>
             <a:spLocks noGrp="1"/>
           </p:cNvSpPr>
@@ -468,7 +424,7 @@
           <a:p>
             <a:fld id="{DCE0A673-C478-6D4D-A4B7-394B079139A0}" type="datetimeFigureOut">
               <a:rPr lang="en-US" smtClean="0"/>
-              <a:t>10/25/21</a:t>
+              <a:t>7/29/22</a:t>
             </a:fld>
             <a:endParaRPr lang="en-US"/>
           </a:p>
@@ -476,13 +432,7 @@
       </p:sp>
       <p:sp>
         <p:nvSpPr>
-          <p:cNvPr id="5" name="Footer Placeholder 4">
-            <a:extLst>
-              <a:ext uri="{FF2B5EF4-FFF2-40B4-BE49-F238E27FC236}">
-                <a16:creationId xmlns:a16="http://schemas.microsoft.com/office/drawing/2014/main" id="{61CBF839-5149-B044-B2E9-30C99B78D9EE}"/>
-              </a:ext>
-            </a:extLst>
-          </p:cNvPr>
+          <p:cNvPr id="5" name="Footer Placeholder 4"/>
           <p:cNvSpPr>
             <a:spLocks noGrp="1"/>
           </p:cNvSpPr>
@@ -501,13 +451,7 @@
       </p:sp>
       <p:sp>
         <p:nvSpPr>
-          <p:cNvPr id="6" name="Slide Number Placeholder 5">
-            <a:extLst>
-              <a:ext uri="{FF2B5EF4-FFF2-40B4-BE49-F238E27FC236}">
-                <a16:creationId xmlns:a16="http://schemas.microsoft.com/office/drawing/2014/main" id="{5A921DCB-2164-624D-B69C-C13AC258AFC9}"/>
-              </a:ext>
-            </a:extLst>
-          </p:cNvPr>
+          <p:cNvPr id="6" name="Slide Number Placeholder 5"/>
           <p:cNvSpPr>
             <a:spLocks noGrp="1"/>
           </p:cNvSpPr>
@@ -531,7 +475,7 @@
     </p:spTree>
     <p:extLst>
       <p:ext uri="{BB962C8B-B14F-4D97-AF65-F5344CB8AC3E}">
-        <p14:creationId xmlns:p14="http://schemas.microsoft.com/office/powerpoint/2010/main" val="4200881273"/>
+        <p14:creationId xmlns:p14="http://schemas.microsoft.com/office/powerpoint/2010/main" val="3497435938"/>
       </p:ext>
     </p:extLst>
   </p:cSld>
@@ -560,13 +504,7 @@
       </p:grpSpPr>
       <p:sp>
         <p:nvSpPr>
-          <p:cNvPr id="2" name="Vertical Title 1">
-            <a:extLst>
-              <a:ext uri="{FF2B5EF4-FFF2-40B4-BE49-F238E27FC236}">
-                <a16:creationId xmlns:a16="http://schemas.microsoft.com/office/drawing/2014/main" id="{3A350655-2573-DE4C-AA92-C196653DBCB4}"/>
-              </a:ext>
-            </a:extLst>
-          </p:cNvPr>
+          <p:cNvPr id="2" name="Vertical Title 1"/>
           <p:cNvSpPr>
             <a:spLocks noGrp="1"/>
           </p:cNvSpPr>
@@ -576,8 +514,8 @@
         </p:nvSpPr>
         <p:spPr>
           <a:xfrm>
-            <a:off x="8724900" y="365125"/>
-            <a:ext cx="2628900" cy="5811838"/>
+            <a:off x="4416981" y="219075"/>
+            <a:ext cx="1330881" cy="3487103"/>
           </a:xfrm>
         </p:spPr>
         <p:txBody>
@@ -588,18 +526,13 @@
               <a:rPr lang="en-US"/>
               <a:t>Click to edit Master title style</a:t>
             </a:r>
-          </a:p>
-        </p:txBody>
-      </p:sp>
-      <p:sp>
-        <p:nvSpPr>
-          <p:cNvPr id="3" name="Vertical Text Placeholder 2">
-            <a:extLst>
-              <a:ext uri="{FF2B5EF4-FFF2-40B4-BE49-F238E27FC236}">
-                <a16:creationId xmlns:a16="http://schemas.microsoft.com/office/drawing/2014/main" id="{C792FCE2-9B2C-4949-AA82-55923C401E97}"/>
-              </a:ext>
-            </a:extLst>
-          </p:cNvPr>
+            <a:endParaRPr lang="en-US" dirty="0"/>
+          </a:p>
+        </p:txBody>
+      </p:sp>
+      <p:sp>
+        <p:nvSpPr>
+          <p:cNvPr id="3" name="Vertical Text Placeholder 2"/>
           <p:cNvSpPr>
             <a:spLocks noGrp="1"/>
           </p:cNvSpPr>
@@ -609,8 +542,8 @@
         </p:nvSpPr>
         <p:spPr>
           <a:xfrm>
-            <a:off x="838200" y="365125"/>
-            <a:ext cx="7734300" cy="5811838"/>
+            <a:off x="424339" y="219075"/>
+            <a:ext cx="3915489" cy="3487103"/>
           </a:xfrm>
         </p:spPr>
         <p:txBody>
@@ -650,18 +583,13 @@
               <a:rPr lang="en-US"/>
               <a:t>Fifth level</a:t>
             </a:r>
-          </a:p>
-        </p:txBody>
-      </p:sp>
-      <p:sp>
-        <p:nvSpPr>
-          <p:cNvPr id="4" name="Date Placeholder 3">
-            <a:extLst>
-              <a:ext uri="{FF2B5EF4-FFF2-40B4-BE49-F238E27FC236}">
-                <a16:creationId xmlns:a16="http://schemas.microsoft.com/office/drawing/2014/main" id="{9ABA0E1D-94C4-F342-AEBF-D486E2DE585E}"/>
-              </a:ext>
-            </a:extLst>
-          </p:cNvPr>
+            <a:endParaRPr lang="en-US" dirty="0"/>
+          </a:p>
+        </p:txBody>
+      </p:sp>
+      <p:sp>
+        <p:nvSpPr>
+          <p:cNvPr id="4" name="Date Placeholder 3"/>
           <p:cNvSpPr>
             <a:spLocks noGrp="1"/>
           </p:cNvSpPr>
@@ -676,7 +604,7 @@
           <a:p>
             <a:fld id="{DCE0A673-C478-6D4D-A4B7-394B079139A0}" type="datetimeFigureOut">
               <a:rPr lang="en-US" smtClean="0"/>
-              <a:t>10/25/21</a:t>
+              <a:t>7/29/22</a:t>
             </a:fld>
             <a:endParaRPr lang="en-US"/>
           </a:p>
@@ -684,13 +612,7 @@
       </p:sp>
       <p:sp>
         <p:nvSpPr>
-          <p:cNvPr id="5" name="Footer Placeholder 4">
-            <a:extLst>
-              <a:ext uri="{FF2B5EF4-FFF2-40B4-BE49-F238E27FC236}">
-                <a16:creationId xmlns:a16="http://schemas.microsoft.com/office/drawing/2014/main" id="{8DA9B558-A799-5149-B570-DB649D303641}"/>
-              </a:ext>
-            </a:extLst>
-          </p:cNvPr>
+          <p:cNvPr id="5" name="Footer Placeholder 4"/>
           <p:cNvSpPr>
             <a:spLocks noGrp="1"/>
           </p:cNvSpPr>
@@ -709,13 +631,7 @@
       </p:sp>
       <p:sp>
         <p:nvSpPr>
-          <p:cNvPr id="6" name="Slide Number Placeholder 5">
-            <a:extLst>
-              <a:ext uri="{FF2B5EF4-FFF2-40B4-BE49-F238E27FC236}">
-                <a16:creationId xmlns:a16="http://schemas.microsoft.com/office/drawing/2014/main" id="{A17B97FE-06C6-6749-A38B-BF12AAF17D1F}"/>
-              </a:ext>
-            </a:extLst>
-          </p:cNvPr>
+          <p:cNvPr id="6" name="Slide Number Placeholder 5"/>
           <p:cNvSpPr>
             <a:spLocks noGrp="1"/>
           </p:cNvSpPr>
@@ -739,7 +655,7 @@
     </p:spTree>
     <p:extLst>
       <p:ext uri="{BB962C8B-B14F-4D97-AF65-F5344CB8AC3E}">
-        <p14:creationId xmlns:p14="http://schemas.microsoft.com/office/powerpoint/2010/main" val="983373829"/>
+        <p14:creationId xmlns:p14="http://schemas.microsoft.com/office/powerpoint/2010/main" val="4161687332"/>
       </p:ext>
     </p:extLst>
   </p:cSld>
@@ -768,13 +684,7 @@
       </p:grpSpPr>
       <p:sp>
         <p:nvSpPr>
-          <p:cNvPr id="2" name="Title 1">
-            <a:extLst>
-              <a:ext uri="{FF2B5EF4-FFF2-40B4-BE49-F238E27FC236}">
-                <a16:creationId xmlns:a16="http://schemas.microsoft.com/office/drawing/2014/main" id="{C8AB0F01-5F97-564B-8591-CD5993540549}"/>
-              </a:ext>
-            </a:extLst>
-          </p:cNvPr>
+          <p:cNvPr id="2" name="Title 1"/>
           <p:cNvSpPr>
             <a:spLocks noGrp="1"/>
           </p:cNvSpPr>
@@ -791,18 +701,13 @@
               <a:rPr lang="en-US"/>
               <a:t>Click to edit Master title style</a:t>
             </a:r>
-          </a:p>
-        </p:txBody>
-      </p:sp>
-      <p:sp>
-        <p:nvSpPr>
-          <p:cNvPr id="3" name="Content Placeholder 2">
-            <a:extLst>
-              <a:ext uri="{FF2B5EF4-FFF2-40B4-BE49-F238E27FC236}">
-                <a16:creationId xmlns:a16="http://schemas.microsoft.com/office/drawing/2014/main" id="{6BABC590-4C57-6C4D-AB94-3E3B7F9C447C}"/>
-              </a:ext>
-            </a:extLst>
-          </p:cNvPr>
+            <a:endParaRPr lang="en-US" dirty="0"/>
+          </a:p>
+        </p:txBody>
+      </p:sp>
+      <p:sp>
+        <p:nvSpPr>
+          <p:cNvPr id="3" name="Content Placeholder 2"/>
           <p:cNvSpPr>
             <a:spLocks noGrp="1"/>
           </p:cNvSpPr>
@@ -848,18 +753,13 @@
               <a:rPr lang="en-US"/>
               <a:t>Fifth level</a:t>
             </a:r>
-          </a:p>
-        </p:txBody>
-      </p:sp>
-      <p:sp>
-        <p:nvSpPr>
-          <p:cNvPr id="4" name="Date Placeholder 3">
-            <a:extLst>
-              <a:ext uri="{FF2B5EF4-FFF2-40B4-BE49-F238E27FC236}">
-                <a16:creationId xmlns:a16="http://schemas.microsoft.com/office/drawing/2014/main" id="{66E4E626-2FCF-6148-9FA7-644C4CAFE4AA}"/>
-              </a:ext>
-            </a:extLst>
-          </p:cNvPr>
+            <a:endParaRPr lang="en-US" dirty="0"/>
+          </a:p>
+        </p:txBody>
+      </p:sp>
+      <p:sp>
+        <p:nvSpPr>
+          <p:cNvPr id="4" name="Date Placeholder 3"/>
           <p:cNvSpPr>
             <a:spLocks noGrp="1"/>
           </p:cNvSpPr>
@@ -874,7 +774,7 @@
           <a:p>
             <a:fld id="{DCE0A673-C478-6D4D-A4B7-394B079139A0}" type="datetimeFigureOut">
               <a:rPr lang="en-US" smtClean="0"/>
-              <a:t>10/25/21</a:t>
+              <a:t>7/29/22</a:t>
             </a:fld>
             <a:endParaRPr lang="en-US"/>
           </a:p>
@@ -882,13 +782,7 @@
       </p:sp>
       <p:sp>
         <p:nvSpPr>
-          <p:cNvPr id="5" name="Footer Placeholder 4">
-            <a:extLst>
-              <a:ext uri="{FF2B5EF4-FFF2-40B4-BE49-F238E27FC236}">
-                <a16:creationId xmlns:a16="http://schemas.microsoft.com/office/drawing/2014/main" id="{E66F180B-CE07-6948-AC61-1E6F21442843}"/>
-              </a:ext>
-            </a:extLst>
-          </p:cNvPr>
+          <p:cNvPr id="5" name="Footer Placeholder 4"/>
           <p:cNvSpPr>
             <a:spLocks noGrp="1"/>
           </p:cNvSpPr>
@@ -907,13 +801,7 @@
       </p:sp>
       <p:sp>
         <p:nvSpPr>
-          <p:cNvPr id="6" name="Slide Number Placeholder 5">
-            <a:extLst>
-              <a:ext uri="{FF2B5EF4-FFF2-40B4-BE49-F238E27FC236}">
-                <a16:creationId xmlns:a16="http://schemas.microsoft.com/office/drawing/2014/main" id="{1F432357-0B7D-1A44-A638-24EE825D9898}"/>
-              </a:ext>
-            </a:extLst>
-          </p:cNvPr>
+          <p:cNvPr id="6" name="Slide Number Placeholder 5"/>
           <p:cNvSpPr>
             <a:spLocks noGrp="1"/>
           </p:cNvSpPr>
@@ -937,7 +825,7 @@
     </p:spTree>
     <p:extLst>
       <p:ext uri="{BB962C8B-B14F-4D97-AF65-F5344CB8AC3E}">
-        <p14:creationId xmlns:p14="http://schemas.microsoft.com/office/powerpoint/2010/main" val="1577025190"/>
+        <p14:creationId xmlns:p14="http://schemas.microsoft.com/office/powerpoint/2010/main" val="3214415811"/>
       </p:ext>
     </p:extLst>
   </p:cSld>
@@ -966,13 +854,7 @@
       </p:grpSpPr>
       <p:sp>
         <p:nvSpPr>
-          <p:cNvPr id="2" name="Title 1">
-            <a:extLst>
-              <a:ext uri="{FF2B5EF4-FFF2-40B4-BE49-F238E27FC236}">
-                <a16:creationId xmlns:a16="http://schemas.microsoft.com/office/drawing/2014/main" id="{01396B96-17CD-1E4A-8067-1A6B822AC3C2}"/>
-              </a:ext>
-            </a:extLst>
-          </p:cNvPr>
+          <p:cNvPr id="2" name="Title 1"/>
           <p:cNvSpPr>
             <a:spLocks noGrp="1"/>
           </p:cNvSpPr>
@@ -982,15 +864,15 @@
         </p:nvSpPr>
         <p:spPr>
           <a:xfrm>
-            <a:off x="831850" y="1709738"/>
-            <a:ext cx="10515600" cy="2852737"/>
+            <a:off x="421124" y="1025844"/>
+            <a:ext cx="5323523" cy="1711642"/>
           </a:xfrm>
         </p:spPr>
         <p:txBody>
           <a:bodyPr anchor="b"/>
           <a:lstStyle>
             <a:lvl1pPr>
-              <a:defRPr sz="6000"/>
+              <a:defRPr sz="3600"/>
             </a:lvl1pPr>
           </a:lstStyle>
           <a:p>
@@ -998,18 +880,13 @@
               <a:rPr lang="en-US"/>
               <a:t>Click to edit Master title style</a:t>
             </a:r>
-          </a:p>
-        </p:txBody>
-      </p:sp>
-      <p:sp>
-        <p:nvSpPr>
-          <p:cNvPr id="3" name="Text Placeholder 2">
-            <a:extLst>
-              <a:ext uri="{FF2B5EF4-FFF2-40B4-BE49-F238E27FC236}">
-                <a16:creationId xmlns:a16="http://schemas.microsoft.com/office/drawing/2014/main" id="{25919211-E9BC-C141-A9D1-33E552FA785C}"/>
-              </a:ext>
-            </a:extLst>
-          </p:cNvPr>
+            <a:endParaRPr lang="en-US" dirty="0"/>
+          </a:p>
+        </p:txBody>
+      </p:sp>
+      <p:sp>
+        <p:nvSpPr>
+          <p:cNvPr id="3" name="Text Placeholder 2"/>
           <p:cNvSpPr>
             <a:spLocks noGrp="1"/>
           </p:cNvSpPr>
@@ -1019,8 +896,8 @@
         </p:nvSpPr>
         <p:spPr>
           <a:xfrm>
-            <a:off x="831850" y="4589463"/>
-            <a:ext cx="10515600" cy="1500187"/>
+            <a:off x="421124" y="2753679"/>
+            <a:ext cx="5323523" cy="900112"/>
           </a:xfrm>
         </p:spPr>
         <p:txBody>
@@ -1028,17 +905,15 @@
           <a:lstStyle>
             <a:lvl1pPr marL="0" indent="0">
               <a:buNone/>
-              <a:defRPr sz="2400">
+              <a:defRPr sz="1440">
                 <a:solidFill>
-                  <a:schemeClr val="tx1">
-                    <a:tint val="75000"/>
-                  </a:schemeClr>
+                  <a:schemeClr val="tx1"/>
                 </a:solidFill>
               </a:defRPr>
             </a:lvl1pPr>
-            <a:lvl2pPr marL="457200" indent="0">
-              <a:buNone/>
-              <a:defRPr sz="2000">
+            <a:lvl2pPr marL="274320" indent="0">
+              <a:buNone/>
+              <a:defRPr sz="1200">
                 <a:solidFill>
                   <a:schemeClr val="tx1">
                     <a:tint val="75000"/>
@@ -1046,9 +921,9 @@
                 </a:solidFill>
               </a:defRPr>
             </a:lvl2pPr>
-            <a:lvl3pPr marL="914400" indent="0">
-              <a:buNone/>
-              <a:defRPr sz="1800">
+            <a:lvl3pPr marL="548640" indent="0">
+              <a:buNone/>
+              <a:defRPr sz="1080">
                 <a:solidFill>
                   <a:schemeClr val="tx1">
                     <a:tint val="75000"/>
@@ -1056,9 +931,9 @@
                 </a:solidFill>
               </a:defRPr>
             </a:lvl3pPr>
-            <a:lvl4pPr marL="1371600" indent="0">
-              <a:buNone/>
-              <a:defRPr sz="1600">
+            <a:lvl4pPr marL="822960" indent="0">
+              <a:buNone/>
+              <a:defRPr sz="960">
                 <a:solidFill>
                   <a:schemeClr val="tx1">
                     <a:tint val="75000"/>
@@ -1066,9 +941,9 @@
                 </a:solidFill>
               </a:defRPr>
             </a:lvl4pPr>
-            <a:lvl5pPr marL="1828800" indent="0">
-              <a:buNone/>
-              <a:defRPr sz="1600">
+            <a:lvl5pPr marL="1097280" indent="0">
+              <a:buNone/>
+              <a:defRPr sz="960">
                 <a:solidFill>
                   <a:schemeClr val="tx1">
                     <a:tint val="75000"/>
@@ -1076,9 +951,9 @@
                 </a:solidFill>
               </a:defRPr>
             </a:lvl5pPr>
-            <a:lvl6pPr marL="2286000" indent="0">
-              <a:buNone/>
-              <a:defRPr sz="1600">
+            <a:lvl6pPr marL="1371600" indent="0">
+              <a:buNone/>
+              <a:defRPr sz="960">
                 <a:solidFill>
                   <a:schemeClr val="tx1">
                     <a:tint val="75000"/>
@@ -1086,9 +961,9 @@
                 </a:solidFill>
               </a:defRPr>
             </a:lvl6pPr>
-            <a:lvl7pPr marL="2743200" indent="0">
-              <a:buNone/>
-              <a:defRPr sz="1600">
+            <a:lvl7pPr marL="1645920" indent="0">
+              <a:buNone/>
+              <a:defRPr sz="960">
                 <a:solidFill>
                   <a:schemeClr val="tx1">
                     <a:tint val="75000"/>
@@ -1096,9 +971,9 @@
                 </a:solidFill>
               </a:defRPr>
             </a:lvl7pPr>
-            <a:lvl8pPr marL="3200400" indent="0">
-              <a:buNone/>
-              <a:defRPr sz="1600">
+            <a:lvl8pPr marL="1920240" indent="0">
+              <a:buNone/>
+              <a:defRPr sz="960">
                 <a:solidFill>
                   <a:schemeClr val="tx1">
                     <a:tint val="75000"/>
@@ -1106,9 +981,9 @@
                 </a:solidFill>
               </a:defRPr>
             </a:lvl8pPr>
-            <a:lvl9pPr marL="3657600" indent="0">
-              <a:buNone/>
-              <a:defRPr sz="1600">
+            <a:lvl9pPr marL="2194560" indent="0">
+              <a:buNone/>
+              <a:defRPr sz="960">
                 <a:solidFill>
                   <a:schemeClr val="tx1">
                     <a:tint val="75000"/>
@@ -1128,13 +1003,7 @@
       </p:sp>
       <p:sp>
         <p:nvSpPr>
-          <p:cNvPr id="4" name="Date Placeholder 3">
-            <a:extLst>
-              <a:ext uri="{FF2B5EF4-FFF2-40B4-BE49-F238E27FC236}">
-                <a16:creationId xmlns:a16="http://schemas.microsoft.com/office/drawing/2014/main" id="{B8D50E7B-51D9-4745-82F0-1B95A498FADF}"/>
-              </a:ext>
-            </a:extLst>
-          </p:cNvPr>
+          <p:cNvPr id="4" name="Date Placeholder 3"/>
           <p:cNvSpPr>
             <a:spLocks noGrp="1"/>
           </p:cNvSpPr>
@@ -1149,7 +1018,7 @@
           <a:p>
             <a:fld id="{DCE0A673-C478-6D4D-A4B7-394B079139A0}" type="datetimeFigureOut">
               <a:rPr lang="en-US" smtClean="0"/>
-              <a:t>10/25/21</a:t>
+              <a:t>7/29/22</a:t>
             </a:fld>
             <a:endParaRPr lang="en-US"/>
           </a:p>
@@ -1157,13 +1026,7 @@
       </p:sp>
       <p:sp>
         <p:nvSpPr>
-          <p:cNvPr id="5" name="Footer Placeholder 4">
-            <a:extLst>
-              <a:ext uri="{FF2B5EF4-FFF2-40B4-BE49-F238E27FC236}">
-                <a16:creationId xmlns:a16="http://schemas.microsoft.com/office/drawing/2014/main" id="{B90425B1-63A1-E04D-9F9E-21302A9BEB5A}"/>
-              </a:ext>
-            </a:extLst>
-          </p:cNvPr>
+          <p:cNvPr id="5" name="Footer Placeholder 4"/>
           <p:cNvSpPr>
             <a:spLocks noGrp="1"/>
           </p:cNvSpPr>
@@ -1182,13 +1045,7 @@
       </p:sp>
       <p:sp>
         <p:nvSpPr>
-          <p:cNvPr id="6" name="Slide Number Placeholder 5">
-            <a:extLst>
-              <a:ext uri="{FF2B5EF4-FFF2-40B4-BE49-F238E27FC236}">
-                <a16:creationId xmlns:a16="http://schemas.microsoft.com/office/drawing/2014/main" id="{F48BDF71-6DDC-2746-87BA-0D0440B87892}"/>
-              </a:ext>
-            </a:extLst>
-          </p:cNvPr>
+          <p:cNvPr id="6" name="Slide Number Placeholder 5"/>
           <p:cNvSpPr>
             <a:spLocks noGrp="1"/>
           </p:cNvSpPr>
@@ -1212,7 +1069,7 @@
     </p:spTree>
     <p:extLst>
       <p:ext uri="{BB962C8B-B14F-4D97-AF65-F5344CB8AC3E}">
-        <p14:creationId xmlns:p14="http://schemas.microsoft.com/office/powerpoint/2010/main" val="4155322353"/>
+        <p14:creationId xmlns:p14="http://schemas.microsoft.com/office/powerpoint/2010/main" val="294793149"/>
       </p:ext>
     </p:extLst>
   </p:cSld>
@@ -1241,13 +1098,7 @@
       </p:grpSpPr>
       <p:sp>
         <p:nvSpPr>
-          <p:cNvPr id="2" name="Title 1">
-            <a:extLst>
-              <a:ext uri="{FF2B5EF4-FFF2-40B4-BE49-F238E27FC236}">
-                <a16:creationId xmlns:a16="http://schemas.microsoft.com/office/drawing/2014/main" id="{EC54D815-BBE1-3D45-91AF-B783D48F3E1C}"/>
-              </a:ext>
-            </a:extLst>
-          </p:cNvPr>
+          <p:cNvPr id="2" name="Title 1"/>
           <p:cNvSpPr>
             <a:spLocks noGrp="1"/>
           </p:cNvSpPr>
@@ -1264,18 +1115,13 @@
               <a:rPr lang="en-US"/>
               <a:t>Click to edit Master title style</a:t>
             </a:r>
-          </a:p>
-        </p:txBody>
-      </p:sp>
-      <p:sp>
-        <p:nvSpPr>
-          <p:cNvPr id="3" name="Content Placeholder 2">
-            <a:extLst>
-              <a:ext uri="{FF2B5EF4-FFF2-40B4-BE49-F238E27FC236}">
-                <a16:creationId xmlns:a16="http://schemas.microsoft.com/office/drawing/2014/main" id="{991E897E-3E23-5D40-B95D-B595644082D0}"/>
-              </a:ext>
-            </a:extLst>
-          </p:cNvPr>
+            <a:endParaRPr lang="en-US" dirty="0"/>
+          </a:p>
+        </p:txBody>
+      </p:sp>
+      <p:sp>
+        <p:nvSpPr>
+          <p:cNvPr id="3" name="Content Placeholder 2"/>
           <p:cNvSpPr>
             <a:spLocks noGrp="1"/>
           </p:cNvSpPr>
@@ -1285,8 +1131,8 @@
         </p:nvSpPr>
         <p:spPr>
           <a:xfrm>
-            <a:off x="838200" y="1825625"/>
-            <a:ext cx="5181600" cy="4351338"/>
+            <a:off x="424339" y="1095375"/>
+            <a:ext cx="2623185" cy="2610803"/>
           </a:xfrm>
         </p:spPr>
         <p:txBody>
@@ -1326,18 +1172,13 @@
               <a:rPr lang="en-US"/>
               <a:t>Fifth level</a:t>
             </a:r>
-          </a:p>
-        </p:txBody>
-      </p:sp>
-      <p:sp>
-        <p:nvSpPr>
-          <p:cNvPr id="4" name="Content Placeholder 3">
-            <a:extLst>
-              <a:ext uri="{FF2B5EF4-FFF2-40B4-BE49-F238E27FC236}">
-                <a16:creationId xmlns:a16="http://schemas.microsoft.com/office/drawing/2014/main" id="{7EAA808B-23B0-0841-85AD-D657F93C860B}"/>
-              </a:ext>
-            </a:extLst>
-          </p:cNvPr>
+            <a:endParaRPr lang="en-US" dirty="0"/>
+          </a:p>
+        </p:txBody>
+      </p:sp>
+      <p:sp>
+        <p:nvSpPr>
+          <p:cNvPr id="4" name="Content Placeholder 3"/>
           <p:cNvSpPr>
             <a:spLocks noGrp="1"/>
           </p:cNvSpPr>
@@ -1347,8 +1188,8 @@
         </p:nvSpPr>
         <p:spPr>
           <a:xfrm>
-            <a:off x="6172200" y="1825625"/>
-            <a:ext cx="5181600" cy="4351338"/>
+            <a:off x="3124676" y="1095375"/>
+            <a:ext cx="2623185" cy="2610803"/>
           </a:xfrm>
         </p:spPr>
         <p:txBody>
@@ -1388,18 +1229,13 @@
               <a:rPr lang="en-US"/>
               <a:t>Fifth level</a:t>
             </a:r>
-          </a:p>
-        </p:txBody>
-      </p:sp>
-      <p:sp>
-        <p:nvSpPr>
-          <p:cNvPr id="5" name="Date Placeholder 4">
-            <a:extLst>
-              <a:ext uri="{FF2B5EF4-FFF2-40B4-BE49-F238E27FC236}">
-                <a16:creationId xmlns:a16="http://schemas.microsoft.com/office/drawing/2014/main" id="{2F661AB4-1DA3-D24A-8145-47E7987904F5}"/>
-              </a:ext>
-            </a:extLst>
-          </p:cNvPr>
+            <a:endParaRPr lang="en-US" dirty="0"/>
+          </a:p>
+        </p:txBody>
+      </p:sp>
+      <p:sp>
+        <p:nvSpPr>
+          <p:cNvPr id="5" name="Date Placeholder 4"/>
           <p:cNvSpPr>
             <a:spLocks noGrp="1"/>
           </p:cNvSpPr>
@@ -1414,7 +1250,7 @@
           <a:p>
             <a:fld id="{DCE0A673-C478-6D4D-A4B7-394B079139A0}" type="datetimeFigureOut">
               <a:rPr lang="en-US" smtClean="0"/>
-              <a:t>10/25/21</a:t>
+              <a:t>7/29/22</a:t>
             </a:fld>
             <a:endParaRPr lang="en-US"/>
           </a:p>
@@ -1422,13 +1258,7 @@
       </p:sp>
       <p:sp>
         <p:nvSpPr>
-          <p:cNvPr id="6" name="Footer Placeholder 5">
-            <a:extLst>
-              <a:ext uri="{FF2B5EF4-FFF2-40B4-BE49-F238E27FC236}">
-                <a16:creationId xmlns:a16="http://schemas.microsoft.com/office/drawing/2014/main" id="{0539AB25-81AA-1D47-883D-3433D2A4A541}"/>
-              </a:ext>
-            </a:extLst>
-          </p:cNvPr>
+          <p:cNvPr id="6" name="Footer Placeholder 5"/>
           <p:cNvSpPr>
             <a:spLocks noGrp="1"/>
           </p:cNvSpPr>
@@ -1447,13 +1277,7 @@
       </p:sp>
       <p:sp>
         <p:nvSpPr>
-          <p:cNvPr id="7" name="Slide Number Placeholder 6">
-            <a:extLst>
-              <a:ext uri="{FF2B5EF4-FFF2-40B4-BE49-F238E27FC236}">
-                <a16:creationId xmlns:a16="http://schemas.microsoft.com/office/drawing/2014/main" id="{40F60DC6-1A44-0D43-96B0-7141955AD840}"/>
-              </a:ext>
-            </a:extLst>
-          </p:cNvPr>
+          <p:cNvPr id="7" name="Slide Number Placeholder 6"/>
           <p:cNvSpPr>
             <a:spLocks noGrp="1"/>
           </p:cNvSpPr>
@@ -1477,7 +1301,7 @@
     </p:spTree>
     <p:extLst>
       <p:ext uri="{BB962C8B-B14F-4D97-AF65-F5344CB8AC3E}">
-        <p14:creationId xmlns:p14="http://schemas.microsoft.com/office/powerpoint/2010/main" val="2433051553"/>
+        <p14:creationId xmlns:p14="http://schemas.microsoft.com/office/powerpoint/2010/main" val="1202475868"/>
       </p:ext>
     </p:extLst>
   </p:cSld>
@@ -1506,13 +1330,7 @@
       </p:grpSpPr>
       <p:sp>
         <p:nvSpPr>
-          <p:cNvPr id="2" name="Title 1">
-            <a:extLst>
-              <a:ext uri="{FF2B5EF4-FFF2-40B4-BE49-F238E27FC236}">
-                <a16:creationId xmlns:a16="http://schemas.microsoft.com/office/drawing/2014/main" id="{C8A38C40-C1FD-C04E-B375-CD84BBF6F463}"/>
-              </a:ext>
-            </a:extLst>
-          </p:cNvPr>
+          <p:cNvPr id="2" name="Title 1"/>
           <p:cNvSpPr>
             <a:spLocks noGrp="1"/>
           </p:cNvSpPr>
@@ -1522,8 +1340,8 @@
         </p:nvSpPr>
         <p:spPr>
           <a:xfrm>
-            <a:off x="839788" y="365125"/>
-            <a:ext cx="10515600" cy="1325563"/>
+            <a:off x="425142" y="219076"/>
+            <a:ext cx="5323523" cy="795338"/>
           </a:xfrm>
         </p:spPr>
         <p:txBody>
@@ -1534,18 +1352,13 @@
               <a:rPr lang="en-US"/>
               <a:t>Click to edit Master title style</a:t>
             </a:r>
-          </a:p>
-        </p:txBody>
-      </p:sp>
-      <p:sp>
-        <p:nvSpPr>
-          <p:cNvPr id="3" name="Text Placeholder 2">
-            <a:extLst>
-              <a:ext uri="{FF2B5EF4-FFF2-40B4-BE49-F238E27FC236}">
-                <a16:creationId xmlns:a16="http://schemas.microsoft.com/office/drawing/2014/main" id="{9370079B-F2F3-FF44-A79A-4A521E7AAD37}"/>
-              </a:ext>
-            </a:extLst>
-          </p:cNvPr>
+            <a:endParaRPr lang="en-US" dirty="0"/>
+          </a:p>
+        </p:txBody>
+      </p:sp>
+      <p:sp>
+        <p:nvSpPr>
+          <p:cNvPr id="3" name="Text Placeholder 2"/>
           <p:cNvSpPr>
             <a:spLocks noGrp="1"/>
           </p:cNvSpPr>
@@ -1555,8 +1368,8 @@
         </p:nvSpPr>
         <p:spPr>
           <a:xfrm>
-            <a:off x="839788" y="1681163"/>
-            <a:ext cx="5157787" cy="823912"/>
+            <a:off x="425143" y="1008698"/>
+            <a:ext cx="2611130" cy="494347"/>
           </a:xfrm>
         </p:spPr>
         <p:txBody>
@@ -1564,39 +1377,39 @@
           <a:lstStyle>
             <a:lvl1pPr marL="0" indent="0">
               <a:buNone/>
-              <a:defRPr sz="2400" b="1"/>
+              <a:defRPr sz="1440" b="1"/>
             </a:lvl1pPr>
-            <a:lvl2pPr marL="457200" indent="0">
-              <a:buNone/>
-              <a:defRPr sz="2000" b="1"/>
+            <a:lvl2pPr marL="274320" indent="0">
+              <a:buNone/>
+              <a:defRPr sz="1200" b="1"/>
             </a:lvl2pPr>
-            <a:lvl3pPr marL="914400" indent="0">
-              <a:buNone/>
-              <a:defRPr sz="1800" b="1"/>
+            <a:lvl3pPr marL="548640" indent="0">
+              <a:buNone/>
+              <a:defRPr sz="1080" b="1"/>
             </a:lvl3pPr>
-            <a:lvl4pPr marL="1371600" indent="0">
-              <a:buNone/>
-              <a:defRPr sz="1600" b="1"/>
+            <a:lvl4pPr marL="822960" indent="0">
+              <a:buNone/>
+              <a:defRPr sz="960" b="1"/>
             </a:lvl4pPr>
-            <a:lvl5pPr marL="1828800" indent="0">
-              <a:buNone/>
-              <a:defRPr sz="1600" b="1"/>
+            <a:lvl5pPr marL="1097280" indent="0">
+              <a:buNone/>
+              <a:defRPr sz="960" b="1"/>
             </a:lvl5pPr>
-            <a:lvl6pPr marL="2286000" indent="0">
-              <a:buNone/>
-              <a:defRPr sz="1600" b="1"/>
+            <a:lvl6pPr marL="1371600" indent="0">
+              <a:buNone/>
+              <a:defRPr sz="960" b="1"/>
             </a:lvl6pPr>
-            <a:lvl7pPr marL="2743200" indent="0">
-              <a:buNone/>
-              <a:defRPr sz="1600" b="1"/>
+            <a:lvl7pPr marL="1645920" indent="0">
+              <a:buNone/>
+              <a:defRPr sz="960" b="1"/>
             </a:lvl7pPr>
-            <a:lvl8pPr marL="3200400" indent="0">
-              <a:buNone/>
-              <a:defRPr sz="1600" b="1"/>
+            <a:lvl8pPr marL="1920240" indent="0">
+              <a:buNone/>
+              <a:defRPr sz="960" b="1"/>
             </a:lvl8pPr>
-            <a:lvl9pPr marL="3657600" indent="0">
-              <a:buNone/>
-              <a:defRPr sz="1600" b="1"/>
+            <a:lvl9pPr marL="2194560" indent="0">
+              <a:buNone/>
+              <a:defRPr sz="960" b="1"/>
             </a:lvl9pPr>
           </a:lstStyle>
           <a:p>
@@ -1610,13 +1423,7 @@
       </p:sp>
       <p:sp>
         <p:nvSpPr>
-          <p:cNvPr id="4" name="Content Placeholder 3">
-            <a:extLst>
-              <a:ext uri="{FF2B5EF4-FFF2-40B4-BE49-F238E27FC236}">
-                <a16:creationId xmlns:a16="http://schemas.microsoft.com/office/drawing/2014/main" id="{5CF05ECE-3ECC-3348-BDDB-7478FA896D7A}"/>
-              </a:ext>
-            </a:extLst>
-          </p:cNvPr>
+          <p:cNvPr id="4" name="Content Placeholder 3"/>
           <p:cNvSpPr>
             <a:spLocks noGrp="1"/>
           </p:cNvSpPr>
@@ -1626,8 +1433,8 @@
         </p:nvSpPr>
         <p:spPr>
           <a:xfrm>
-            <a:off x="839788" y="2505075"/>
-            <a:ext cx="5157787" cy="3684588"/>
+            <a:off x="425143" y="1503045"/>
+            <a:ext cx="2611130" cy="2210753"/>
           </a:xfrm>
         </p:spPr>
         <p:txBody>
@@ -1667,18 +1474,13 @@
               <a:rPr lang="en-US"/>
               <a:t>Fifth level</a:t>
             </a:r>
-          </a:p>
-        </p:txBody>
-      </p:sp>
-      <p:sp>
-        <p:nvSpPr>
-          <p:cNvPr id="5" name="Text Placeholder 4">
-            <a:extLst>
-              <a:ext uri="{FF2B5EF4-FFF2-40B4-BE49-F238E27FC236}">
-                <a16:creationId xmlns:a16="http://schemas.microsoft.com/office/drawing/2014/main" id="{DD49C1CD-AAB7-2240-8605-5402518FCD16}"/>
-              </a:ext>
-            </a:extLst>
-          </p:cNvPr>
+            <a:endParaRPr lang="en-US" dirty="0"/>
+          </a:p>
+        </p:txBody>
+      </p:sp>
+      <p:sp>
+        <p:nvSpPr>
+          <p:cNvPr id="5" name="Text Placeholder 4"/>
           <p:cNvSpPr>
             <a:spLocks noGrp="1"/>
           </p:cNvSpPr>
@@ -1688,8 +1490,8 @@
         </p:nvSpPr>
         <p:spPr>
           <a:xfrm>
-            <a:off x="6172200" y="1681163"/>
-            <a:ext cx="5183188" cy="823912"/>
+            <a:off x="3124677" y="1008698"/>
+            <a:ext cx="2623989" cy="494347"/>
           </a:xfrm>
         </p:spPr>
         <p:txBody>
@@ -1697,39 +1499,39 @@
           <a:lstStyle>
             <a:lvl1pPr marL="0" indent="0">
               <a:buNone/>
-              <a:defRPr sz="2400" b="1"/>
+              <a:defRPr sz="1440" b="1"/>
             </a:lvl1pPr>
-            <a:lvl2pPr marL="457200" indent="0">
-              <a:buNone/>
-              <a:defRPr sz="2000" b="1"/>
+            <a:lvl2pPr marL="274320" indent="0">
+              <a:buNone/>
+              <a:defRPr sz="1200" b="1"/>
             </a:lvl2pPr>
-            <a:lvl3pPr marL="914400" indent="0">
-              <a:buNone/>
-              <a:defRPr sz="1800" b="1"/>
+            <a:lvl3pPr marL="548640" indent="0">
+              <a:buNone/>
+              <a:defRPr sz="1080" b="1"/>
             </a:lvl3pPr>
-            <a:lvl4pPr marL="1371600" indent="0">
-              <a:buNone/>
-              <a:defRPr sz="1600" b="1"/>
+            <a:lvl4pPr marL="822960" indent="0">
+              <a:buNone/>
+              <a:defRPr sz="960" b="1"/>
             </a:lvl4pPr>
-            <a:lvl5pPr marL="1828800" indent="0">
-              <a:buNone/>
-              <a:defRPr sz="1600" b="1"/>
+            <a:lvl5pPr marL="1097280" indent="0">
+              <a:buNone/>
+              <a:defRPr sz="960" b="1"/>
             </a:lvl5pPr>
-            <a:lvl6pPr marL="2286000" indent="0">
-              <a:buNone/>
-              <a:defRPr sz="1600" b="1"/>
+            <a:lvl6pPr marL="1371600" indent="0">
+              <a:buNone/>
+              <a:defRPr sz="960" b="1"/>
             </a:lvl6pPr>
-            <a:lvl7pPr marL="2743200" indent="0">
-              <a:buNone/>
-              <a:defRPr sz="1600" b="1"/>
+            <a:lvl7pPr marL="1645920" indent="0">
+              <a:buNone/>
+              <a:defRPr sz="960" b="1"/>
             </a:lvl7pPr>
-            <a:lvl8pPr marL="3200400" indent="0">
-              <a:buNone/>
-              <a:defRPr sz="1600" b="1"/>
+            <a:lvl8pPr marL="1920240" indent="0">
+              <a:buNone/>
+              <a:defRPr sz="960" b="1"/>
             </a:lvl8pPr>
-            <a:lvl9pPr marL="3657600" indent="0">
-              <a:buNone/>
-              <a:defRPr sz="1600" b="1"/>
+            <a:lvl9pPr marL="2194560" indent="0">
+              <a:buNone/>
+              <a:defRPr sz="960" b="1"/>
             </a:lvl9pPr>
           </a:lstStyle>
           <a:p>
@@ -1743,13 +1545,7 @@
       </p:sp>
       <p:sp>
         <p:nvSpPr>
-          <p:cNvPr id="6" name="Content Placeholder 5">
-            <a:extLst>
-              <a:ext uri="{FF2B5EF4-FFF2-40B4-BE49-F238E27FC236}">
-                <a16:creationId xmlns:a16="http://schemas.microsoft.com/office/drawing/2014/main" id="{BB6D422F-6F3E-BB44-9B9B-A6DB98CDB41B}"/>
-              </a:ext>
-            </a:extLst>
-          </p:cNvPr>
+          <p:cNvPr id="6" name="Content Placeholder 5"/>
           <p:cNvSpPr>
             <a:spLocks noGrp="1"/>
           </p:cNvSpPr>
@@ -1759,8 +1555,8 @@
         </p:nvSpPr>
         <p:spPr>
           <a:xfrm>
-            <a:off x="6172200" y="2505075"/>
-            <a:ext cx="5183188" cy="3684588"/>
+            <a:off x="3124677" y="1503045"/>
+            <a:ext cx="2623989" cy="2210753"/>
           </a:xfrm>
         </p:spPr>
         <p:txBody>
@@ -1800,18 +1596,13 @@
               <a:rPr lang="en-US"/>
               <a:t>Fifth level</a:t>
             </a:r>
-          </a:p>
-        </p:txBody>
-      </p:sp>
-      <p:sp>
-        <p:nvSpPr>
-          <p:cNvPr id="7" name="Date Placeholder 6">
-            <a:extLst>
-              <a:ext uri="{FF2B5EF4-FFF2-40B4-BE49-F238E27FC236}">
-                <a16:creationId xmlns:a16="http://schemas.microsoft.com/office/drawing/2014/main" id="{37F73F96-B850-4C40-9EC1-5A3E75BA15C8}"/>
-              </a:ext>
-            </a:extLst>
-          </p:cNvPr>
+            <a:endParaRPr lang="en-US" dirty="0"/>
+          </a:p>
+        </p:txBody>
+      </p:sp>
+      <p:sp>
+        <p:nvSpPr>
+          <p:cNvPr id="7" name="Date Placeholder 6"/>
           <p:cNvSpPr>
             <a:spLocks noGrp="1"/>
           </p:cNvSpPr>
@@ -1826,7 +1617,7 @@
           <a:p>
             <a:fld id="{DCE0A673-C478-6D4D-A4B7-394B079139A0}" type="datetimeFigureOut">
               <a:rPr lang="en-US" smtClean="0"/>
-              <a:t>10/25/21</a:t>
+              <a:t>7/29/22</a:t>
             </a:fld>
             <a:endParaRPr lang="en-US"/>
           </a:p>
@@ -1834,13 +1625,7 @@
       </p:sp>
       <p:sp>
         <p:nvSpPr>
-          <p:cNvPr id="8" name="Footer Placeholder 7">
-            <a:extLst>
-              <a:ext uri="{FF2B5EF4-FFF2-40B4-BE49-F238E27FC236}">
-                <a16:creationId xmlns:a16="http://schemas.microsoft.com/office/drawing/2014/main" id="{57846879-3629-524E-A615-F16DDD484746}"/>
-              </a:ext>
-            </a:extLst>
-          </p:cNvPr>
+          <p:cNvPr id="8" name="Footer Placeholder 7"/>
           <p:cNvSpPr>
             <a:spLocks noGrp="1"/>
           </p:cNvSpPr>
@@ -1859,13 +1644,7 @@
       </p:sp>
       <p:sp>
         <p:nvSpPr>
-          <p:cNvPr id="9" name="Slide Number Placeholder 8">
-            <a:extLst>
-              <a:ext uri="{FF2B5EF4-FFF2-40B4-BE49-F238E27FC236}">
-                <a16:creationId xmlns:a16="http://schemas.microsoft.com/office/drawing/2014/main" id="{87916AF9-339E-6648-95EC-BAB1FA740D96}"/>
-              </a:ext>
-            </a:extLst>
-          </p:cNvPr>
+          <p:cNvPr id="9" name="Slide Number Placeholder 8"/>
           <p:cNvSpPr>
             <a:spLocks noGrp="1"/>
           </p:cNvSpPr>
@@ -1889,7 +1668,7 @@
     </p:spTree>
     <p:extLst>
       <p:ext uri="{BB962C8B-B14F-4D97-AF65-F5344CB8AC3E}">
-        <p14:creationId xmlns:p14="http://schemas.microsoft.com/office/powerpoint/2010/main" val="1845994121"/>
+        <p14:creationId xmlns:p14="http://schemas.microsoft.com/office/powerpoint/2010/main" val="1428688370"/>
       </p:ext>
     </p:extLst>
   </p:cSld>
@@ -1918,13 +1697,7 @@
       </p:grpSpPr>
       <p:sp>
         <p:nvSpPr>
-          <p:cNvPr id="2" name="Title 1">
-            <a:extLst>
-              <a:ext uri="{FF2B5EF4-FFF2-40B4-BE49-F238E27FC236}">
-                <a16:creationId xmlns:a16="http://schemas.microsoft.com/office/drawing/2014/main" id="{6F776B5D-674F-0C48-BDD0-06E65C88E0C4}"/>
-              </a:ext>
-            </a:extLst>
-          </p:cNvPr>
+          <p:cNvPr id="2" name="Title 1"/>
           <p:cNvSpPr>
             <a:spLocks noGrp="1"/>
           </p:cNvSpPr>
@@ -1941,18 +1714,13 @@
               <a:rPr lang="en-US"/>
               <a:t>Click to edit Master title style</a:t>
             </a:r>
-          </a:p>
-        </p:txBody>
-      </p:sp>
-      <p:sp>
-        <p:nvSpPr>
-          <p:cNvPr id="3" name="Date Placeholder 2">
-            <a:extLst>
-              <a:ext uri="{FF2B5EF4-FFF2-40B4-BE49-F238E27FC236}">
-                <a16:creationId xmlns:a16="http://schemas.microsoft.com/office/drawing/2014/main" id="{7C7DF1FB-B2ED-F446-8071-5E64222D6E1F}"/>
-              </a:ext>
-            </a:extLst>
-          </p:cNvPr>
+            <a:endParaRPr lang="en-US" dirty="0"/>
+          </a:p>
+        </p:txBody>
+      </p:sp>
+      <p:sp>
+        <p:nvSpPr>
+          <p:cNvPr id="3" name="Date Placeholder 2"/>
           <p:cNvSpPr>
             <a:spLocks noGrp="1"/>
           </p:cNvSpPr>
@@ -1967,7 +1735,7 @@
           <a:p>
             <a:fld id="{DCE0A673-C478-6D4D-A4B7-394B079139A0}" type="datetimeFigureOut">
               <a:rPr lang="en-US" smtClean="0"/>
-              <a:t>10/25/21</a:t>
+              <a:t>7/29/22</a:t>
             </a:fld>
             <a:endParaRPr lang="en-US"/>
           </a:p>
@@ -1975,13 +1743,7 @@
       </p:sp>
       <p:sp>
         <p:nvSpPr>
-          <p:cNvPr id="4" name="Footer Placeholder 3">
-            <a:extLst>
-              <a:ext uri="{FF2B5EF4-FFF2-40B4-BE49-F238E27FC236}">
-                <a16:creationId xmlns:a16="http://schemas.microsoft.com/office/drawing/2014/main" id="{3A80CCA3-F483-044C-B6B8-20823DDC6BEF}"/>
-              </a:ext>
-            </a:extLst>
-          </p:cNvPr>
+          <p:cNvPr id="4" name="Footer Placeholder 3"/>
           <p:cNvSpPr>
             <a:spLocks noGrp="1"/>
           </p:cNvSpPr>
@@ -2000,13 +1762,7 @@
       </p:sp>
       <p:sp>
         <p:nvSpPr>
-          <p:cNvPr id="5" name="Slide Number Placeholder 4">
-            <a:extLst>
-              <a:ext uri="{FF2B5EF4-FFF2-40B4-BE49-F238E27FC236}">
-                <a16:creationId xmlns:a16="http://schemas.microsoft.com/office/drawing/2014/main" id="{8F79B331-9BEC-7D4E-B28D-C2332D5409C7}"/>
-              </a:ext>
-            </a:extLst>
-          </p:cNvPr>
+          <p:cNvPr id="5" name="Slide Number Placeholder 4"/>
           <p:cNvSpPr>
             <a:spLocks noGrp="1"/>
           </p:cNvSpPr>
@@ -2030,7 +1786,7 @@
     </p:spTree>
     <p:extLst>
       <p:ext uri="{BB962C8B-B14F-4D97-AF65-F5344CB8AC3E}">
-        <p14:creationId xmlns:p14="http://schemas.microsoft.com/office/powerpoint/2010/main" val="2090670877"/>
+        <p14:creationId xmlns:p14="http://schemas.microsoft.com/office/powerpoint/2010/main" val="81492152"/>
       </p:ext>
     </p:extLst>
   </p:cSld>
@@ -2059,13 +1815,7 @@
       </p:grpSpPr>
       <p:sp>
         <p:nvSpPr>
-          <p:cNvPr id="2" name="Date Placeholder 1">
-            <a:extLst>
-              <a:ext uri="{FF2B5EF4-FFF2-40B4-BE49-F238E27FC236}">
-                <a16:creationId xmlns:a16="http://schemas.microsoft.com/office/drawing/2014/main" id="{5B8E05C6-828B-084D-919E-E271590D6BAA}"/>
-              </a:ext>
-            </a:extLst>
-          </p:cNvPr>
+          <p:cNvPr id="2" name="Date Placeholder 1"/>
           <p:cNvSpPr>
             <a:spLocks noGrp="1"/>
           </p:cNvSpPr>
@@ -2080,7 +1830,7 @@
           <a:p>
             <a:fld id="{DCE0A673-C478-6D4D-A4B7-394B079139A0}" type="datetimeFigureOut">
               <a:rPr lang="en-US" smtClean="0"/>
-              <a:t>10/25/21</a:t>
+              <a:t>7/29/22</a:t>
             </a:fld>
             <a:endParaRPr lang="en-US"/>
           </a:p>
@@ -2088,13 +1838,7 @@
       </p:sp>
       <p:sp>
         <p:nvSpPr>
-          <p:cNvPr id="3" name="Footer Placeholder 2">
-            <a:extLst>
-              <a:ext uri="{FF2B5EF4-FFF2-40B4-BE49-F238E27FC236}">
-                <a16:creationId xmlns:a16="http://schemas.microsoft.com/office/drawing/2014/main" id="{90290E3A-AF04-A54A-A4FC-337F9390AFB3}"/>
-              </a:ext>
-            </a:extLst>
-          </p:cNvPr>
+          <p:cNvPr id="3" name="Footer Placeholder 2"/>
           <p:cNvSpPr>
             <a:spLocks noGrp="1"/>
           </p:cNvSpPr>
@@ -2113,13 +1857,7 @@
       </p:sp>
       <p:sp>
         <p:nvSpPr>
-          <p:cNvPr id="4" name="Slide Number Placeholder 3">
-            <a:extLst>
-              <a:ext uri="{FF2B5EF4-FFF2-40B4-BE49-F238E27FC236}">
-                <a16:creationId xmlns:a16="http://schemas.microsoft.com/office/drawing/2014/main" id="{53C8AD7F-E5A3-7242-AA5F-FC05B8DA3CB9}"/>
-              </a:ext>
-            </a:extLst>
-          </p:cNvPr>
+          <p:cNvPr id="4" name="Slide Number Placeholder 3"/>
           <p:cNvSpPr>
             <a:spLocks noGrp="1"/>
           </p:cNvSpPr>
@@ -2143,7 +1881,7 @@
     </p:spTree>
     <p:extLst>
       <p:ext uri="{BB962C8B-B14F-4D97-AF65-F5344CB8AC3E}">
-        <p14:creationId xmlns:p14="http://schemas.microsoft.com/office/powerpoint/2010/main" val="3429635560"/>
+        <p14:creationId xmlns:p14="http://schemas.microsoft.com/office/powerpoint/2010/main" val="3522836639"/>
       </p:ext>
     </p:extLst>
   </p:cSld>
@@ -2172,13 +1910,7 @@
       </p:grpSpPr>
       <p:sp>
         <p:nvSpPr>
-          <p:cNvPr id="2" name="Title 1">
-            <a:extLst>
-              <a:ext uri="{FF2B5EF4-FFF2-40B4-BE49-F238E27FC236}">
-                <a16:creationId xmlns:a16="http://schemas.microsoft.com/office/drawing/2014/main" id="{4575A564-8B50-8945-9C37-BF84DE2047E5}"/>
-              </a:ext>
-            </a:extLst>
-          </p:cNvPr>
+          <p:cNvPr id="2" name="Title 1"/>
           <p:cNvSpPr>
             <a:spLocks noGrp="1"/>
           </p:cNvSpPr>
@@ -2188,15 +1920,15 @@
         </p:nvSpPr>
         <p:spPr>
           <a:xfrm>
-            <a:off x="839788" y="457200"/>
-            <a:ext cx="3932237" cy="1600200"/>
+            <a:off x="425143" y="274320"/>
+            <a:ext cx="1990695" cy="960120"/>
           </a:xfrm>
         </p:spPr>
         <p:txBody>
           <a:bodyPr anchor="b"/>
           <a:lstStyle>
             <a:lvl1pPr>
-              <a:defRPr sz="3200"/>
+              <a:defRPr sz="1920"/>
             </a:lvl1pPr>
           </a:lstStyle>
           <a:p>
@@ -2204,18 +1936,13 @@
               <a:rPr lang="en-US"/>
               <a:t>Click to edit Master title style</a:t>
             </a:r>
-          </a:p>
-        </p:txBody>
-      </p:sp>
-      <p:sp>
-        <p:nvSpPr>
-          <p:cNvPr id="3" name="Content Placeholder 2">
-            <a:extLst>
-              <a:ext uri="{FF2B5EF4-FFF2-40B4-BE49-F238E27FC236}">
-                <a16:creationId xmlns:a16="http://schemas.microsoft.com/office/drawing/2014/main" id="{2E084E8E-4AFD-2B4B-AF10-1CE021B6F626}"/>
-              </a:ext>
-            </a:extLst>
-          </p:cNvPr>
+            <a:endParaRPr lang="en-US" dirty="0"/>
+          </a:p>
+        </p:txBody>
+      </p:sp>
+      <p:sp>
+        <p:nvSpPr>
+          <p:cNvPr id="3" name="Content Placeholder 2"/>
           <p:cNvSpPr>
             <a:spLocks noGrp="1"/>
           </p:cNvSpPr>
@@ -2225,39 +1952,39 @@
         </p:nvSpPr>
         <p:spPr>
           <a:xfrm>
-            <a:off x="5183188" y="987425"/>
-            <a:ext cx="6172200" cy="4873625"/>
+            <a:off x="2623989" y="592456"/>
+            <a:ext cx="3124676" cy="2924175"/>
           </a:xfrm>
         </p:spPr>
         <p:txBody>
           <a:bodyPr/>
           <a:lstStyle>
             <a:lvl1pPr>
-              <a:defRPr sz="3200"/>
+              <a:defRPr sz="1920"/>
             </a:lvl1pPr>
             <a:lvl2pPr>
-              <a:defRPr sz="2800"/>
+              <a:defRPr sz="1680"/>
             </a:lvl2pPr>
             <a:lvl3pPr>
-              <a:defRPr sz="2400"/>
+              <a:defRPr sz="1440"/>
             </a:lvl3pPr>
             <a:lvl4pPr>
-              <a:defRPr sz="2000"/>
+              <a:defRPr sz="1200"/>
             </a:lvl4pPr>
             <a:lvl5pPr>
-              <a:defRPr sz="2000"/>
+              <a:defRPr sz="1200"/>
             </a:lvl5pPr>
             <a:lvl6pPr>
-              <a:defRPr sz="2000"/>
+              <a:defRPr sz="1200"/>
             </a:lvl6pPr>
             <a:lvl7pPr>
-              <a:defRPr sz="2000"/>
+              <a:defRPr sz="1200"/>
             </a:lvl7pPr>
             <a:lvl8pPr>
-              <a:defRPr sz="2000"/>
+              <a:defRPr sz="1200"/>
             </a:lvl8pPr>
             <a:lvl9pPr>
-              <a:defRPr sz="2000"/>
+              <a:defRPr sz="1200"/>
             </a:lvl9pPr>
           </a:lstStyle>
           <a:p>
@@ -2294,18 +2021,13 @@
               <a:rPr lang="en-US"/>
               <a:t>Fifth level</a:t>
             </a:r>
-          </a:p>
-        </p:txBody>
-      </p:sp>
-      <p:sp>
-        <p:nvSpPr>
-          <p:cNvPr id="4" name="Text Placeholder 3">
-            <a:extLst>
-              <a:ext uri="{FF2B5EF4-FFF2-40B4-BE49-F238E27FC236}">
-                <a16:creationId xmlns:a16="http://schemas.microsoft.com/office/drawing/2014/main" id="{7836F1D1-F2DA-2049-9831-A802EEA4265B}"/>
-              </a:ext>
-            </a:extLst>
-          </p:cNvPr>
+            <a:endParaRPr lang="en-US" dirty="0"/>
+          </a:p>
+        </p:txBody>
+      </p:sp>
+      <p:sp>
+        <p:nvSpPr>
+          <p:cNvPr id="4" name="Text Placeholder 3"/>
           <p:cNvSpPr>
             <a:spLocks noGrp="1"/>
           </p:cNvSpPr>
@@ -2315,8 +2037,8 @@
         </p:nvSpPr>
         <p:spPr>
           <a:xfrm>
-            <a:off x="839788" y="2057400"/>
-            <a:ext cx="3932237" cy="3811588"/>
+            <a:off x="425143" y="1234440"/>
+            <a:ext cx="1990695" cy="2286953"/>
           </a:xfrm>
         </p:spPr>
         <p:txBody>
@@ -2324,39 +2046,39 @@
           <a:lstStyle>
             <a:lvl1pPr marL="0" indent="0">
               <a:buNone/>
-              <a:defRPr sz="1600"/>
+              <a:defRPr sz="960"/>
             </a:lvl1pPr>
-            <a:lvl2pPr marL="457200" indent="0">
-              <a:buNone/>
-              <a:defRPr sz="1400"/>
+            <a:lvl2pPr marL="274320" indent="0">
+              <a:buNone/>
+              <a:defRPr sz="840"/>
             </a:lvl2pPr>
-            <a:lvl3pPr marL="914400" indent="0">
-              <a:buNone/>
-              <a:defRPr sz="1200"/>
+            <a:lvl3pPr marL="548640" indent="0">
+              <a:buNone/>
+              <a:defRPr sz="720"/>
             </a:lvl3pPr>
-            <a:lvl4pPr marL="1371600" indent="0">
-              <a:buNone/>
-              <a:defRPr sz="1000"/>
+            <a:lvl4pPr marL="822960" indent="0">
+              <a:buNone/>
+              <a:defRPr sz="600"/>
             </a:lvl4pPr>
-            <a:lvl5pPr marL="1828800" indent="0">
-              <a:buNone/>
-              <a:defRPr sz="1000"/>
+            <a:lvl5pPr marL="1097280" indent="0">
+              <a:buNone/>
+              <a:defRPr sz="600"/>
             </a:lvl5pPr>
-            <a:lvl6pPr marL="2286000" indent="0">
-              <a:buNone/>
-              <a:defRPr sz="1000"/>
+            <a:lvl6pPr marL="1371600" indent="0">
+              <a:buNone/>
+              <a:defRPr sz="600"/>
             </a:lvl6pPr>
-            <a:lvl7pPr marL="2743200" indent="0">
-              <a:buNone/>
-              <a:defRPr sz="1000"/>
+            <a:lvl7pPr marL="1645920" indent="0">
+              <a:buNone/>
+              <a:defRPr sz="600"/>
             </a:lvl7pPr>
-            <a:lvl8pPr marL="3200400" indent="0">
-              <a:buNone/>
-              <a:defRPr sz="1000"/>
+            <a:lvl8pPr marL="1920240" indent="0">
+              <a:buNone/>
+              <a:defRPr sz="600"/>
             </a:lvl8pPr>
-            <a:lvl9pPr marL="3657600" indent="0">
-              <a:buNone/>
-              <a:defRPr sz="1000"/>
+            <a:lvl9pPr marL="2194560" indent="0">
+              <a:buNone/>
+              <a:defRPr sz="600"/>
             </a:lvl9pPr>
           </a:lstStyle>
           <a:p>
@@ -2370,13 +2092,7 @@
       </p:sp>
       <p:sp>
         <p:nvSpPr>
-          <p:cNvPr id="5" name="Date Placeholder 4">
-            <a:extLst>
-              <a:ext uri="{FF2B5EF4-FFF2-40B4-BE49-F238E27FC236}">
-                <a16:creationId xmlns:a16="http://schemas.microsoft.com/office/drawing/2014/main" id="{48718CB1-E5E4-564E-B62A-3F47DA099CD8}"/>
-              </a:ext>
-            </a:extLst>
-          </p:cNvPr>
+          <p:cNvPr id="5" name="Date Placeholder 4"/>
           <p:cNvSpPr>
             <a:spLocks noGrp="1"/>
           </p:cNvSpPr>
@@ -2391,7 +2107,7 @@
           <a:p>
             <a:fld id="{DCE0A673-C478-6D4D-A4B7-394B079139A0}" type="datetimeFigureOut">
               <a:rPr lang="en-US" smtClean="0"/>
-              <a:t>10/25/21</a:t>
+              <a:t>7/29/22</a:t>
             </a:fld>
             <a:endParaRPr lang="en-US"/>
           </a:p>
@@ -2399,13 +2115,7 @@
       </p:sp>
       <p:sp>
         <p:nvSpPr>
-          <p:cNvPr id="6" name="Footer Placeholder 5">
-            <a:extLst>
-              <a:ext uri="{FF2B5EF4-FFF2-40B4-BE49-F238E27FC236}">
-                <a16:creationId xmlns:a16="http://schemas.microsoft.com/office/drawing/2014/main" id="{73A4DCEF-4950-0F40-BE1F-AD3076AD11B1}"/>
-              </a:ext>
-            </a:extLst>
-          </p:cNvPr>
+          <p:cNvPr id="6" name="Footer Placeholder 5"/>
           <p:cNvSpPr>
             <a:spLocks noGrp="1"/>
           </p:cNvSpPr>
@@ -2424,13 +2134,7 @@
       </p:sp>
       <p:sp>
         <p:nvSpPr>
-          <p:cNvPr id="7" name="Slide Number Placeholder 6">
-            <a:extLst>
-              <a:ext uri="{FF2B5EF4-FFF2-40B4-BE49-F238E27FC236}">
-                <a16:creationId xmlns:a16="http://schemas.microsoft.com/office/drawing/2014/main" id="{EF78979A-E289-044D-8304-F41944CB90D3}"/>
-              </a:ext>
-            </a:extLst>
-          </p:cNvPr>
+          <p:cNvPr id="7" name="Slide Number Placeholder 6"/>
           <p:cNvSpPr>
             <a:spLocks noGrp="1"/>
           </p:cNvSpPr>
@@ -2454,7 +2158,7 @@
     </p:spTree>
     <p:extLst>
       <p:ext uri="{BB962C8B-B14F-4D97-AF65-F5344CB8AC3E}">
-        <p14:creationId xmlns:p14="http://schemas.microsoft.com/office/powerpoint/2010/main" val="4043415955"/>
+        <p14:creationId xmlns:p14="http://schemas.microsoft.com/office/powerpoint/2010/main" val="3736169799"/>
       </p:ext>
     </p:extLst>
   </p:cSld>
@@ -2483,13 +2187,7 @@
       </p:grpSpPr>
       <p:sp>
         <p:nvSpPr>
-          <p:cNvPr id="2" name="Title 1">
-            <a:extLst>
-              <a:ext uri="{FF2B5EF4-FFF2-40B4-BE49-F238E27FC236}">
-                <a16:creationId xmlns:a16="http://schemas.microsoft.com/office/drawing/2014/main" id="{EC44C4E3-377D-7F42-8D6B-CE28F46AA742}"/>
-              </a:ext>
-            </a:extLst>
-          </p:cNvPr>
+          <p:cNvPr id="2" name="Title 1"/>
           <p:cNvSpPr>
             <a:spLocks noGrp="1"/>
           </p:cNvSpPr>
@@ -2499,15 +2197,15 @@
         </p:nvSpPr>
         <p:spPr>
           <a:xfrm>
-            <a:off x="839788" y="457200"/>
-            <a:ext cx="3932237" cy="1600200"/>
+            <a:off x="425143" y="274320"/>
+            <a:ext cx="1990695" cy="960120"/>
           </a:xfrm>
         </p:spPr>
         <p:txBody>
           <a:bodyPr anchor="b"/>
           <a:lstStyle>
             <a:lvl1pPr>
-              <a:defRPr sz="3200"/>
+              <a:defRPr sz="1920"/>
             </a:lvl1pPr>
           </a:lstStyle>
           <a:p>
@@ -2515,20 +2213,15 @@
               <a:rPr lang="en-US"/>
               <a:t>Click to edit Master title style</a:t>
             </a:r>
-          </a:p>
-        </p:txBody>
-      </p:sp>
-      <p:sp>
-        <p:nvSpPr>
-          <p:cNvPr id="3" name="Picture Placeholder 2">
-            <a:extLst>
-              <a:ext uri="{FF2B5EF4-FFF2-40B4-BE49-F238E27FC236}">
-                <a16:creationId xmlns:a16="http://schemas.microsoft.com/office/drawing/2014/main" id="{F1203716-0B33-C241-BDD0-648A88325EC8}"/>
-              </a:ext>
-            </a:extLst>
-          </p:cNvPr>
-          <p:cNvSpPr>
-            <a:spLocks noGrp="1"/>
+            <a:endParaRPr lang="en-US" dirty="0"/>
+          </a:p>
+        </p:txBody>
+      </p:sp>
+      <p:sp>
+        <p:nvSpPr>
+          <p:cNvPr id="3" name="Picture Placeholder 2"/>
+          <p:cNvSpPr>
+            <a:spLocks noGrp="1" noChangeAspect="1"/>
           </p:cNvSpPr>
           <p:nvPr>
             <p:ph type="pic" idx="1"/>
@@ -2536,64 +2229,62 @@
         </p:nvSpPr>
         <p:spPr>
           <a:xfrm>
-            <a:off x="5183188" y="987425"/>
-            <a:ext cx="6172200" cy="4873625"/>
+            <a:off x="2623989" y="592456"/>
+            <a:ext cx="3124676" cy="2924175"/>
           </a:xfrm>
         </p:spPr>
         <p:txBody>
-          <a:bodyPr/>
+          <a:bodyPr anchor="t"/>
           <a:lstStyle>
             <a:lvl1pPr marL="0" indent="0">
               <a:buNone/>
-              <a:defRPr sz="3200"/>
+              <a:defRPr sz="1920"/>
             </a:lvl1pPr>
-            <a:lvl2pPr marL="457200" indent="0">
-              <a:buNone/>
-              <a:defRPr sz="2800"/>
+            <a:lvl2pPr marL="274320" indent="0">
+              <a:buNone/>
+              <a:defRPr sz="1680"/>
             </a:lvl2pPr>
-            <a:lvl3pPr marL="914400" indent="0">
-              <a:buNone/>
-              <a:defRPr sz="2400"/>
+            <a:lvl3pPr marL="548640" indent="0">
+              <a:buNone/>
+              <a:defRPr sz="1440"/>
             </a:lvl3pPr>
-            <a:lvl4pPr marL="1371600" indent="0">
-              <a:buNone/>
-              <a:defRPr sz="2000"/>
+            <a:lvl4pPr marL="822960" indent="0">
+              <a:buNone/>
+              <a:defRPr sz="1200"/>
             </a:lvl4pPr>
-            <a:lvl5pPr marL="1828800" indent="0">
-              <a:buNone/>
-              <a:defRPr sz="2000"/>
+            <a:lvl5pPr marL="1097280" indent="0">
+              <a:buNone/>
+              <a:defRPr sz="1200"/>
             </a:lvl5pPr>
-            <a:lvl6pPr marL="2286000" indent="0">
-              <a:buNone/>
-              <a:defRPr sz="2000"/>
+            <a:lvl6pPr marL="1371600" indent="0">
+              <a:buNone/>
+              <a:defRPr sz="1200"/>
             </a:lvl6pPr>
-            <a:lvl7pPr marL="2743200" indent="0">
-              <a:buNone/>
-              <a:defRPr sz="2000"/>
+            <a:lvl7pPr marL="1645920" indent="0">
+              <a:buNone/>
+              <a:defRPr sz="1200"/>
             </a:lvl7pPr>
-            <a:lvl8pPr marL="3200400" indent="0">
-              <a:buNone/>
-              <a:defRPr sz="2000"/>
+            <a:lvl8pPr marL="1920240" indent="0">
+              <a:buNone/>
+              <a:defRPr sz="1200"/>
             </a:lvl8pPr>
-            <a:lvl9pPr marL="3657600" indent="0">
-              <a:buNone/>
-              <a:defRPr sz="2000"/>
+            <a:lvl9pPr marL="2194560" indent="0">
+              <a:buNone/>
+              <a:defRPr sz="1200"/>
             </a:lvl9pPr>
           </a:lstStyle>
           <a:p>
-            <a:endParaRPr lang="en-US"/>
-          </a:p>
-        </p:txBody>
-      </p:sp>
-      <p:sp>
-        <p:nvSpPr>
-          <p:cNvPr id="4" name="Text Placeholder 3">
-            <a:extLst>
-              <a:ext uri="{FF2B5EF4-FFF2-40B4-BE49-F238E27FC236}">
-                <a16:creationId xmlns:a16="http://schemas.microsoft.com/office/drawing/2014/main" id="{FB4CBB6E-5D74-364B-A8A6-39699F5CABCA}"/>
-              </a:ext>
-            </a:extLst>
-          </p:cNvPr>
+            <a:r>
+              <a:rPr lang="en-US"/>
+              <a:t>Click icon to add picture</a:t>
+            </a:r>
+            <a:endParaRPr lang="en-US" dirty="0"/>
+          </a:p>
+        </p:txBody>
+      </p:sp>
+      <p:sp>
+        <p:nvSpPr>
+          <p:cNvPr id="4" name="Text Placeholder 3"/>
           <p:cNvSpPr>
             <a:spLocks noGrp="1"/>
           </p:cNvSpPr>
@@ -2603,8 +2294,8 @@
         </p:nvSpPr>
         <p:spPr>
           <a:xfrm>
-            <a:off x="839788" y="2057400"/>
-            <a:ext cx="3932237" cy="3811588"/>
+            <a:off x="425143" y="1234440"/>
+            <a:ext cx="1990695" cy="2286953"/>
           </a:xfrm>
         </p:spPr>
         <p:txBody>
@@ -2612,39 +2303,39 @@
           <a:lstStyle>
             <a:lvl1pPr marL="0" indent="0">
               <a:buNone/>
-              <a:defRPr sz="1600"/>
+              <a:defRPr sz="960"/>
             </a:lvl1pPr>
-            <a:lvl2pPr marL="457200" indent="0">
-              <a:buNone/>
-              <a:defRPr sz="1400"/>
+            <a:lvl2pPr marL="274320" indent="0">
+              <a:buNone/>
+              <a:defRPr sz="840"/>
             </a:lvl2pPr>
-            <a:lvl3pPr marL="914400" indent="0">
-              <a:buNone/>
-              <a:defRPr sz="1200"/>
+            <a:lvl3pPr marL="548640" indent="0">
+              <a:buNone/>
+              <a:defRPr sz="720"/>
             </a:lvl3pPr>
-            <a:lvl4pPr marL="1371600" indent="0">
-              <a:buNone/>
-              <a:defRPr sz="1000"/>
+            <a:lvl4pPr marL="822960" indent="0">
+              <a:buNone/>
+              <a:defRPr sz="600"/>
             </a:lvl4pPr>
-            <a:lvl5pPr marL="1828800" indent="0">
-              <a:buNone/>
-              <a:defRPr sz="1000"/>
+            <a:lvl5pPr marL="1097280" indent="0">
+              <a:buNone/>
+              <a:defRPr sz="600"/>
             </a:lvl5pPr>
-            <a:lvl6pPr marL="2286000" indent="0">
-              <a:buNone/>
-              <a:defRPr sz="1000"/>
+            <a:lvl6pPr marL="1371600" indent="0">
+              <a:buNone/>
+              <a:defRPr sz="600"/>
             </a:lvl6pPr>
-            <a:lvl7pPr marL="2743200" indent="0">
-              <a:buNone/>
-              <a:defRPr sz="1000"/>
+            <a:lvl7pPr marL="1645920" indent="0">
+              <a:buNone/>
+              <a:defRPr sz="600"/>
             </a:lvl7pPr>
-            <a:lvl8pPr marL="3200400" indent="0">
-              <a:buNone/>
-              <a:defRPr sz="1000"/>
+            <a:lvl8pPr marL="1920240" indent="0">
+              <a:buNone/>
+              <a:defRPr sz="600"/>
             </a:lvl8pPr>
-            <a:lvl9pPr marL="3657600" indent="0">
-              <a:buNone/>
-              <a:defRPr sz="1000"/>
+            <a:lvl9pPr marL="2194560" indent="0">
+              <a:buNone/>
+              <a:defRPr sz="600"/>
             </a:lvl9pPr>
           </a:lstStyle>
           <a:p>
@@ -2658,13 +2349,7 @@
       </p:sp>
       <p:sp>
         <p:nvSpPr>
-          <p:cNvPr id="5" name="Date Placeholder 4">
-            <a:extLst>
-              <a:ext uri="{FF2B5EF4-FFF2-40B4-BE49-F238E27FC236}">
-                <a16:creationId xmlns:a16="http://schemas.microsoft.com/office/drawing/2014/main" id="{21C6DCC6-AE9B-B247-8346-F2D3B41BD841}"/>
-              </a:ext>
-            </a:extLst>
-          </p:cNvPr>
+          <p:cNvPr id="5" name="Date Placeholder 4"/>
           <p:cNvSpPr>
             <a:spLocks noGrp="1"/>
           </p:cNvSpPr>
@@ -2679,7 +2364,7 @@
           <a:p>
             <a:fld id="{DCE0A673-C478-6D4D-A4B7-394B079139A0}" type="datetimeFigureOut">
               <a:rPr lang="en-US" smtClean="0"/>
-              <a:t>10/25/21</a:t>
+              <a:t>7/29/22</a:t>
             </a:fld>
             <a:endParaRPr lang="en-US"/>
           </a:p>
@@ -2687,13 +2372,7 @@
       </p:sp>
       <p:sp>
         <p:nvSpPr>
-          <p:cNvPr id="6" name="Footer Placeholder 5">
-            <a:extLst>
-              <a:ext uri="{FF2B5EF4-FFF2-40B4-BE49-F238E27FC236}">
-                <a16:creationId xmlns:a16="http://schemas.microsoft.com/office/drawing/2014/main" id="{F47BFAA8-0DE9-1A40-87FB-A4B1C7AE9674}"/>
-              </a:ext>
-            </a:extLst>
-          </p:cNvPr>
+          <p:cNvPr id="6" name="Footer Placeholder 5"/>
           <p:cNvSpPr>
             <a:spLocks noGrp="1"/>
           </p:cNvSpPr>
@@ -2712,13 +2391,7 @@
       </p:sp>
       <p:sp>
         <p:nvSpPr>
-          <p:cNvPr id="7" name="Slide Number Placeholder 6">
-            <a:extLst>
-              <a:ext uri="{FF2B5EF4-FFF2-40B4-BE49-F238E27FC236}">
-                <a16:creationId xmlns:a16="http://schemas.microsoft.com/office/drawing/2014/main" id="{738C2CD6-1811-4348-89EF-921411711032}"/>
-              </a:ext>
-            </a:extLst>
-          </p:cNvPr>
+          <p:cNvPr id="7" name="Slide Number Placeholder 6"/>
           <p:cNvSpPr>
             <a:spLocks noGrp="1"/>
           </p:cNvSpPr>
@@ -2742,7 +2415,7 @@
     </p:spTree>
     <p:extLst>
       <p:ext uri="{BB962C8B-B14F-4D97-AF65-F5344CB8AC3E}">
-        <p14:creationId xmlns:p14="http://schemas.microsoft.com/office/powerpoint/2010/main" val="723295640"/>
+        <p14:creationId xmlns:p14="http://schemas.microsoft.com/office/powerpoint/2010/main" val="325700861"/>
       </p:ext>
     </p:extLst>
   </p:cSld>
@@ -2776,13 +2449,7 @@
       </p:grpSpPr>
       <p:sp>
         <p:nvSpPr>
-          <p:cNvPr id="2" name="Title Placeholder 1">
-            <a:extLst>
-              <a:ext uri="{FF2B5EF4-FFF2-40B4-BE49-F238E27FC236}">
-                <a16:creationId xmlns:a16="http://schemas.microsoft.com/office/drawing/2014/main" id="{241CD159-62B0-044C-9D99-854C7A391F78}"/>
-              </a:ext>
-            </a:extLst>
-          </p:cNvPr>
+          <p:cNvPr id="2" name="Title Placeholder 1"/>
           <p:cNvSpPr>
             <a:spLocks noGrp="1"/>
           </p:cNvSpPr>
@@ -2792,8 +2459,8 @@
         </p:nvSpPr>
         <p:spPr>
           <a:xfrm>
-            <a:off x="838200" y="365125"/>
-            <a:ext cx="10515600" cy="1325563"/>
+            <a:off x="424339" y="219076"/>
+            <a:ext cx="5323523" cy="795338"/>
           </a:xfrm>
           <a:prstGeom prst="rect">
             <a:avLst/>
@@ -2809,18 +2476,13 @@
               <a:rPr lang="en-US"/>
               <a:t>Click to edit Master title style</a:t>
             </a:r>
-          </a:p>
-        </p:txBody>
-      </p:sp>
-      <p:sp>
-        <p:nvSpPr>
-          <p:cNvPr id="3" name="Text Placeholder 2">
-            <a:extLst>
-              <a:ext uri="{FF2B5EF4-FFF2-40B4-BE49-F238E27FC236}">
-                <a16:creationId xmlns:a16="http://schemas.microsoft.com/office/drawing/2014/main" id="{2B102499-DDE8-354C-926B-19BE38D04E50}"/>
-              </a:ext>
-            </a:extLst>
-          </p:cNvPr>
+            <a:endParaRPr lang="en-US" dirty="0"/>
+          </a:p>
+        </p:txBody>
+      </p:sp>
+      <p:sp>
+        <p:nvSpPr>
+          <p:cNvPr id="3" name="Text Placeholder 2"/>
           <p:cNvSpPr>
             <a:spLocks noGrp="1"/>
           </p:cNvSpPr>
@@ -2830,8 +2492,8 @@
         </p:nvSpPr>
         <p:spPr>
           <a:xfrm>
-            <a:off x="838200" y="1825625"/>
-            <a:ext cx="10515600" cy="4351338"/>
+            <a:off x="424339" y="1095375"/>
+            <a:ext cx="5323523" cy="2610803"/>
           </a:xfrm>
           <a:prstGeom prst="rect">
             <a:avLst/>
@@ -2876,18 +2538,13 @@
               <a:rPr lang="en-US"/>
               <a:t>Fifth level</a:t>
             </a:r>
-          </a:p>
-        </p:txBody>
-      </p:sp>
-      <p:sp>
-        <p:nvSpPr>
-          <p:cNvPr id="4" name="Date Placeholder 3">
-            <a:extLst>
-              <a:ext uri="{FF2B5EF4-FFF2-40B4-BE49-F238E27FC236}">
-                <a16:creationId xmlns:a16="http://schemas.microsoft.com/office/drawing/2014/main" id="{ECED35A1-2223-A841-AB66-CF59AFE86A84}"/>
-              </a:ext>
-            </a:extLst>
-          </p:cNvPr>
+            <a:endParaRPr lang="en-US" dirty="0"/>
+          </a:p>
+        </p:txBody>
+      </p:sp>
+      <p:sp>
+        <p:nvSpPr>
+          <p:cNvPr id="4" name="Date Placeholder 3"/>
           <p:cNvSpPr>
             <a:spLocks noGrp="1"/>
           </p:cNvSpPr>
@@ -2897,8 +2554,8 @@
         </p:nvSpPr>
         <p:spPr>
           <a:xfrm>
-            <a:off x="838200" y="6356350"/>
-            <a:ext cx="2743200" cy="365125"/>
+            <a:off x="424339" y="3813811"/>
+            <a:ext cx="1388745" cy="219075"/>
           </a:xfrm>
           <a:prstGeom prst="rect">
             <a:avLst/>
@@ -2908,7 +2565,7 @@
           <a:bodyPr vert="horz" lIns="91440" tIns="45720" rIns="91440" bIns="45720" rtlCol="0" anchor="ctr"/>
           <a:lstStyle>
             <a:lvl1pPr algn="l">
-              <a:defRPr sz="1200">
+              <a:defRPr sz="720">
                 <a:solidFill>
                   <a:schemeClr val="tx1">
                     <a:tint val="75000"/>
@@ -2920,7 +2577,7 @@
           <a:p>
             <a:fld id="{DCE0A673-C478-6D4D-A4B7-394B079139A0}" type="datetimeFigureOut">
               <a:rPr lang="en-US" smtClean="0"/>
-              <a:t>10/25/21</a:t>
+              <a:t>7/29/22</a:t>
             </a:fld>
             <a:endParaRPr lang="en-US"/>
           </a:p>
@@ -2928,13 +2585,7 @@
       </p:sp>
       <p:sp>
         <p:nvSpPr>
-          <p:cNvPr id="5" name="Footer Placeholder 4">
-            <a:extLst>
-              <a:ext uri="{FF2B5EF4-FFF2-40B4-BE49-F238E27FC236}">
-                <a16:creationId xmlns:a16="http://schemas.microsoft.com/office/drawing/2014/main" id="{87A0A141-9041-4D49-B274-77A7AD1A9EB4}"/>
-              </a:ext>
-            </a:extLst>
-          </p:cNvPr>
+          <p:cNvPr id="5" name="Footer Placeholder 4"/>
           <p:cNvSpPr>
             <a:spLocks noGrp="1"/>
           </p:cNvSpPr>
@@ -2944,8 +2595,8 @@
         </p:nvSpPr>
         <p:spPr>
           <a:xfrm>
-            <a:off x="4038600" y="6356350"/>
-            <a:ext cx="4114800" cy="365125"/>
+            <a:off x="2044541" y="3813811"/>
+            <a:ext cx="2083118" cy="219075"/>
           </a:xfrm>
           <a:prstGeom prst="rect">
             <a:avLst/>
@@ -2955,7 +2606,7 @@
           <a:bodyPr vert="horz" lIns="91440" tIns="45720" rIns="91440" bIns="45720" rtlCol="0" anchor="ctr"/>
           <a:lstStyle>
             <a:lvl1pPr algn="ctr">
-              <a:defRPr sz="1200">
+              <a:defRPr sz="720">
                 <a:solidFill>
                   <a:schemeClr val="tx1">
                     <a:tint val="75000"/>
@@ -2971,13 +2622,7 @@
       </p:sp>
       <p:sp>
         <p:nvSpPr>
-          <p:cNvPr id="6" name="Slide Number Placeholder 5">
-            <a:extLst>
-              <a:ext uri="{FF2B5EF4-FFF2-40B4-BE49-F238E27FC236}">
-                <a16:creationId xmlns:a16="http://schemas.microsoft.com/office/drawing/2014/main" id="{C622588E-57F6-FB4C-8E26-98B1FE95ACFA}"/>
-              </a:ext>
-            </a:extLst>
-          </p:cNvPr>
+          <p:cNvPr id="6" name="Slide Number Placeholder 5"/>
           <p:cNvSpPr>
             <a:spLocks noGrp="1"/>
           </p:cNvSpPr>
@@ -2987,8 +2632,8 @@
         </p:nvSpPr>
         <p:spPr>
           <a:xfrm>
-            <a:off x="8610600" y="6356350"/>
-            <a:ext cx="2743200" cy="365125"/>
+            <a:off x="4359116" y="3813811"/>
+            <a:ext cx="1388745" cy="219075"/>
           </a:xfrm>
           <a:prstGeom prst="rect">
             <a:avLst/>
@@ -2998,7 +2643,7 @@
           <a:bodyPr vert="horz" lIns="91440" tIns="45720" rIns="91440" bIns="45720" rtlCol="0" anchor="ctr"/>
           <a:lstStyle>
             <a:lvl1pPr algn="r">
-              <a:defRPr sz="1200">
+              <a:defRPr sz="720">
                 <a:solidFill>
                   <a:schemeClr val="tx1">
                     <a:tint val="75000"/>
@@ -3019,27 +2664,27 @@
     </p:spTree>
     <p:extLst>
       <p:ext uri="{BB962C8B-B14F-4D97-AF65-F5344CB8AC3E}">
-        <p14:creationId xmlns:p14="http://schemas.microsoft.com/office/powerpoint/2010/main" val="2384379641"/>
+        <p14:creationId xmlns:p14="http://schemas.microsoft.com/office/powerpoint/2010/main" val="4159175428"/>
       </p:ext>
     </p:extLst>
   </p:cSld>
   <p:clrMap bg1="lt1" tx1="dk1" bg2="lt2" tx2="dk2" accent1="accent1" accent2="accent2" accent3="accent3" accent4="accent4" accent5="accent5" accent6="accent6" hlink="hlink" folHlink="folHlink"/>
   <p:sldLayoutIdLst>
-    <p:sldLayoutId id="2147483649" r:id="rId1"/>
-    <p:sldLayoutId id="2147483650" r:id="rId2"/>
-    <p:sldLayoutId id="2147483651" r:id="rId3"/>
-    <p:sldLayoutId id="2147483652" r:id="rId4"/>
-    <p:sldLayoutId id="2147483653" r:id="rId5"/>
-    <p:sldLayoutId id="2147483654" r:id="rId6"/>
-    <p:sldLayoutId id="2147483655" r:id="rId7"/>
-    <p:sldLayoutId id="2147483656" r:id="rId8"/>
-    <p:sldLayoutId id="2147483657" r:id="rId9"/>
-    <p:sldLayoutId id="2147483658" r:id="rId10"/>
-    <p:sldLayoutId id="2147483659" r:id="rId11"/>
+    <p:sldLayoutId id="2147483709" r:id="rId1"/>
+    <p:sldLayoutId id="2147483710" r:id="rId2"/>
+    <p:sldLayoutId id="2147483711" r:id="rId3"/>
+    <p:sldLayoutId id="2147483712" r:id="rId4"/>
+    <p:sldLayoutId id="2147483713" r:id="rId5"/>
+    <p:sldLayoutId id="2147483714" r:id="rId6"/>
+    <p:sldLayoutId id="2147483715" r:id="rId7"/>
+    <p:sldLayoutId id="2147483716" r:id="rId8"/>
+    <p:sldLayoutId id="2147483717" r:id="rId9"/>
+    <p:sldLayoutId id="2147483718" r:id="rId10"/>
+    <p:sldLayoutId id="2147483719" r:id="rId11"/>
   </p:sldLayoutIdLst>
   <p:txStyles>
     <p:titleStyle>
-      <a:lvl1pPr algn="l" defTabSz="914400" rtl="0" eaLnBrk="1" latinLnBrk="0" hangingPunct="1">
+      <a:lvl1pPr algn="l" defTabSz="548640" rtl="0" eaLnBrk="1" latinLnBrk="0" hangingPunct="1">
         <a:lnSpc>
           <a:spcPct val="90000"/>
         </a:lnSpc>
@@ -3047,7 +2692,7 @@
           <a:spcPct val="0"/>
         </a:spcBef>
         <a:buNone/>
-        <a:defRPr sz="4400" kern="1200">
+        <a:defRPr sz="2640" kern="1200">
           <a:solidFill>
             <a:schemeClr val="tx1"/>
           </a:solidFill>
@@ -3058,16 +2703,16 @@
       </a:lvl1pPr>
     </p:titleStyle>
     <p:bodyStyle>
-      <a:lvl1pPr marL="228600" indent="-228600" algn="l" defTabSz="914400" rtl="0" eaLnBrk="1" latinLnBrk="0" hangingPunct="1">
+      <a:lvl1pPr marL="137160" indent="-137160" algn="l" defTabSz="548640" rtl="0" eaLnBrk="1" latinLnBrk="0" hangingPunct="1">
         <a:lnSpc>
           <a:spcPct val="90000"/>
         </a:lnSpc>
         <a:spcBef>
-          <a:spcPts val="1000"/>
+          <a:spcPts val="600"/>
         </a:spcBef>
         <a:buFont typeface="Arial" panose="020B0604020202020204" pitchFamily="34" charset="0"/>
         <a:buChar char="•"/>
-        <a:defRPr sz="2800" kern="1200">
+        <a:defRPr sz="1680" kern="1200">
           <a:solidFill>
             <a:schemeClr val="tx1"/>
           </a:solidFill>
@@ -3076,16 +2721,16 @@
           <a:cs typeface="+mn-cs"/>
         </a:defRPr>
       </a:lvl1pPr>
-      <a:lvl2pPr marL="685800" indent="-228600" algn="l" defTabSz="914400" rtl="0" eaLnBrk="1" latinLnBrk="0" hangingPunct="1">
+      <a:lvl2pPr marL="411480" indent="-137160" algn="l" defTabSz="548640" rtl="0" eaLnBrk="1" latinLnBrk="0" hangingPunct="1">
         <a:lnSpc>
           <a:spcPct val="90000"/>
         </a:lnSpc>
         <a:spcBef>
-          <a:spcPts val="500"/>
+          <a:spcPts val="300"/>
         </a:spcBef>
         <a:buFont typeface="Arial" panose="020B0604020202020204" pitchFamily="34" charset="0"/>
         <a:buChar char="•"/>
-        <a:defRPr sz="2400" kern="1200">
+        <a:defRPr sz="1440" kern="1200">
           <a:solidFill>
             <a:schemeClr val="tx1"/>
           </a:solidFill>
@@ -3094,16 +2739,16 @@
           <a:cs typeface="+mn-cs"/>
         </a:defRPr>
       </a:lvl2pPr>
-      <a:lvl3pPr marL="1143000" indent="-228600" algn="l" defTabSz="914400" rtl="0" eaLnBrk="1" latinLnBrk="0" hangingPunct="1">
+      <a:lvl3pPr marL="685800" indent="-137160" algn="l" defTabSz="548640" rtl="0" eaLnBrk="1" latinLnBrk="0" hangingPunct="1">
         <a:lnSpc>
           <a:spcPct val="90000"/>
         </a:lnSpc>
         <a:spcBef>
-          <a:spcPts val="500"/>
+          <a:spcPts val="300"/>
         </a:spcBef>
         <a:buFont typeface="Arial" panose="020B0604020202020204" pitchFamily="34" charset="0"/>
         <a:buChar char="•"/>
-        <a:defRPr sz="2000" kern="1200">
+        <a:defRPr sz="1200" kern="1200">
           <a:solidFill>
             <a:schemeClr val="tx1"/>
           </a:solidFill>
@@ -3112,16 +2757,16 @@
           <a:cs typeface="+mn-cs"/>
         </a:defRPr>
       </a:lvl3pPr>
-      <a:lvl4pPr marL="1600200" indent="-228600" algn="l" defTabSz="914400" rtl="0" eaLnBrk="1" latinLnBrk="0" hangingPunct="1">
+      <a:lvl4pPr marL="960120" indent="-137160" algn="l" defTabSz="548640" rtl="0" eaLnBrk="1" latinLnBrk="0" hangingPunct="1">
         <a:lnSpc>
           <a:spcPct val="90000"/>
         </a:lnSpc>
         <a:spcBef>
-          <a:spcPts val="500"/>
+          <a:spcPts val="300"/>
         </a:spcBef>
         <a:buFont typeface="Arial" panose="020B0604020202020204" pitchFamily="34" charset="0"/>
         <a:buChar char="•"/>
-        <a:defRPr sz="1800" kern="1200">
+        <a:defRPr sz="1080" kern="1200">
           <a:solidFill>
             <a:schemeClr val="tx1"/>
           </a:solidFill>
@@ -3130,16 +2775,16 @@
           <a:cs typeface="+mn-cs"/>
         </a:defRPr>
       </a:lvl4pPr>
-      <a:lvl5pPr marL="2057400" indent="-228600" algn="l" defTabSz="914400" rtl="0" eaLnBrk="1" latinLnBrk="0" hangingPunct="1">
+      <a:lvl5pPr marL="1234440" indent="-137160" algn="l" defTabSz="548640" rtl="0" eaLnBrk="1" latinLnBrk="0" hangingPunct="1">
         <a:lnSpc>
           <a:spcPct val="90000"/>
         </a:lnSpc>
         <a:spcBef>
-          <a:spcPts val="500"/>
+          <a:spcPts val="300"/>
         </a:spcBef>
         <a:buFont typeface="Arial" panose="020B0604020202020204" pitchFamily="34" charset="0"/>
         <a:buChar char="•"/>
-        <a:defRPr sz="1800" kern="1200">
+        <a:defRPr sz="1080" kern="1200">
           <a:solidFill>
             <a:schemeClr val="tx1"/>
           </a:solidFill>
@@ -3148,16 +2793,16 @@
           <a:cs typeface="+mn-cs"/>
         </a:defRPr>
       </a:lvl5pPr>
-      <a:lvl6pPr marL="2514600" indent="-228600" algn="l" defTabSz="914400" rtl="0" eaLnBrk="1" latinLnBrk="0" hangingPunct="1">
+      <a:lvl6pPr marL="1508760" indent="-137160" algn="l" defTabSz="548640" rtl="0" eaLnBrk="1" latinLnBrk="0" hangingPunct="1">
         <a:lnSpc>
           <a:spcPct val="90000"/>
         </a:lnSpc>
         <a:spcBef>
-          <a:spcPts val="500"/>
+          <a:spcPts val="300"/>
         </a:spcBef>
         <a:buFont typeface="Arial" panose="020B0604020202020204" pitchFamily="34" charset="0"/>
         <a:buChar char="•"/>
-        <a:defRPr sz="1800" kern="1200">
+        <a:defRPr sz="1080" kern="1200">
           <a:solidFill>
             <a:schemeClr val="tx1"/>
           </a:solidFill>
@@ -3166,16 +2811,16 @@
           <a:cs typeface="+mn-cs"/>
         </a:defRPr>
       </a:lvl6pPr>
-      <a:lvl7pPr marL="2971800" indent="-228600" algn="l" defTabSz="914400" rtl="0" eaLnBrk="1" latinLnBrk="0" hangingPunct="1">
+      <a:lvl7pPr marL="1783080" indent="-137160" algn="l" defTabSz="548640" rtl="0" eaLnBrk="1" latinLnBrk="0" hangingPunct="1">
         <a:lnSpc>
           <a:spcPct val="90000"/>
         </a:lnSpc>
         <a:spcBef>
-          <a:spcPts val="500"/>
+          <a:spcPts val="300"/>
         </a:spcBef>
         <a:buFont typeface="Arial" panose="020B0604020202020204" pitchFamily="34" charset="0"/>
         <a:buChar char="•"/>
-        <a:defRPr sz="1800" kern="1200">
+        <a:defRPr sz="1080" kern="1200">
           <a:solidFill>
             <a:schemeClr val="tx1"/>
           </a:solidFill>
@@ -3184,16 +2829,16 @@
           <a:cs typeface="+mn-cs"/>
         </a:defRPr>
       </a:lvl7pPr>
-      <a:lvl8pPr marL="3429000" indent="-228600" algn="l" defTabSz="914400" rtl="0" eaLnBrk="1" latinLnBrk="0" hangingPunct="1">
+      <a:lvl8pPr marL="2057400" indent="-137160" algn="l" defTabSz="548640" rtl="0" eaLnBrk="1" latinLnBrk="0" hangingPunct="1">
         <a:lnSpc>
           <a:spcPct val="90000"/>
         </a:lnSpc>
         <a:spcBef>
-          <a:spcPts val="500"/>
+          <a:spcPts val="300"/>
         </a:spcBef>
         <a:buFont typeface="Arial" panose="020B0604020202020204" pitchFamily="34" charset="0"/>
         <a:buChar char="•"/>
-        <a:defRPr sz="1800" kern="1200">
+        <a:defRPr sz="1080" kern="1200">
           <a:solidFill>
             <a:schemeClr val="tx1"/>
           </a:solidFill>
@@ -3202,16 +2847,16 @@
           <a:cs typeface="+mn-cs"/>
         </a:defRPr>
       </a:lvl8pPr>
-      <a:lvl9pPr marL="3886200" indent="-228600" algn="l" defTabSz="914400" rtl="0" eaLnBrk="1" latinLnBrk="0" hangingPunct="1">
+      <a:lvl9pPr marL="2331720" indent="-137160" algn="l" defTabSz="548640" rtl="0" eaLnBrk="1" latinLnBrk="0" hangingPunct="1">
         <a:lnSpc>
           <a:spcPct val="90000"/>
         </a:lnSpc>
         <a:spcBef>
-          <a:spcPts val="500"/>
+          <a:spcPts val="300"/>
         </a:spcBef>
         <a:buFont typeface="Arial" panose="020B0604020202020204" pitchFamily="34" charset="0"/>
         <a:buChar char="•"/>
-        <a:defRPr sz="1800" kern="1200">
+        <a:defRPr sz="1080" kern="1200">
           <a:solidFill>
             <a:schemeClr val="tx1"/>
           </a:solidFill>
@@ -3225,8 +2870,8 @@
       <a:defPPr>
         <a:defRPr lang="en-US"/>
       </a:defPPr>
-      <a:lvl1pPr marL="0" algn="l" defTabSz="914400" rtl="0" eaLnBrk="1" latinLnBrk="0" hangingPunct="1">
-        <a:defRPr sz="1800" kern="1200">
+      <a:lvl1pPr marL="0" algn="l" defTabSz="548640" rtl="0" eaLnBrk="1" latinLnBrk="0" hangingPunct="1">
+        <a:defRPr sz="1080" kern="1200">
           <a:solidFill>
             <a:schemeClr val="tx1"/>
           </a:solidFill>
@@ -3235,8 +2880,8 @@
           <a:cs typeface="+mn-cs"/>
         </a:defRPr>
       </a:lvl1pPr>
-      <a:lvl2pPr marL="457200" algn="l" defTabSz="914400" rtl="0" eaLnBrk="1" latinLnBrk="0" hangingPunct="1">
-        <a:defRPr sz="1800" kern="1200">
+      <a:lvl2pPr marL="274320" algn="l" defTabSz="548640" rtl="0" eaLnBrk="1" latinLnBrk="0" hangingPunct="1">
+        <a:defRPr sz="1080" kern="1200">
           <a:solidFill>
             <a:schemeClr val="tx1"/>
           </a:solidFill>
@@ -3245,8 +2890,8 @@
           <a:cs typeface="+mn-cs"/>
         </a:defRPr>
       </a:lvl2pPr>
-      <a:lvl3pPr marL="914400" algn="l" defTabSz="914400" rtl="0" eaLnBrk="1" latinLnBrk="0" hangingPunct="1">
-        <a:defRPr sz="1800" kern="1200">
+      <a:lvl3pPr marL="548640" algn="l" defTabSz="548640" rtl="0" eaLnBrk="1" latinLnBrk="0" hangingPunct="1">
+        <a:defRPr sz="1080" kern="1200">
           <a:solidFill>
             <a:schemeClr val="tx1"/>
           </a:solidFill>
@@ -3255,8 +2900,8 @@
           <a:cs typeface="+mn-cs"/>
         </a:defRPr>
       </a:lvl3pPr>
-      <a:lvl4pPr marL="1371600" algn="l" defTabSz="914400" rtl="0" eaLnBrk="1" latinLnBrk="0" hangingPunct="1">
-        <a:defRPr sz="1800" kern="1200">
+      <a:lvl4pPr marL="822960" algn="l" defTabSz="548640" rtl="0" eaLnBrk="1" latinLnBrk="0" hangingPunct="1">
+        <a:defRPr sz="1080" kern="1200">
           <a:solidFill>
             <a:schemeClr val="tx1"/>
           </a:solidFill>
@@ -3265,8 +2910,8 @@
           <a:cs typeface="+mn-cs"/>
         </a:defRPr>
       </a:lvl4pPr>
-      <a:lvl5pPr marL="1828800" algn="l" defTabSz="914400" rtl="0" eaLnBrk="1" latinLnBrk="0" hangingPunct="1">
-        <a:defRPr sz="1800" kern="1200">
+      <a:lvl5pPr marL="1097280" algn="l" defTabSz="548640" rtl="0" eaLnBrk="1" latinLnBrk="0" hangingPunct="1">
+        <a:defRPr sz="1080" kern="1200">
           <a:solidFill>
             <a:schemeClr val="tx1"/>
           </a:solidFill>
@@ -3275,8 +2920,8 @@
           <a:cs typeface="+mn-cs"/>
         </a:defRPr>
       </a:lvl5pPr>
-      <a:lvl6pPr marL="2286000" algn="l" defTabSz="914400" rtl="0" eaLnBrk="1" latinLnBrk="0" hangingPunct="1">
-        <a:defRPr sz="1800" kern="1200">
+      <a:lvl6pPr marL="1371600" algn="l" defTabSz="548640" rtl="0" eaLnBrk="1" latinLnBrk="0" hangingPunct="1">
+        <a:defRPr sz="1080" kern="1200">
           <a:solidFill>
             <a:schemeClr val="tx1"/>
           </a:solidFill>
@@ -3285,8 +2930,8 @@
           <a:cs typeface="+mn-cs"/>
         </a:defRPr>
       </a:lvl6pPr>
-      <a:lvl7pPr marL="2743200" algn="l" defTabSz="914400" rtl="0" eaLnBrk="1" latinLnBrk="0" hangingPunct="1">
-        <a:defRPr sz="1800" kern="1200">
+      <a:lvl7pPr marL="1645920" algn="l" defTabSz="548640" rtl="0" eaLnBrk="1" latinLnBrk="0" hangingPunct="1">
+        <a:defRPr sz="1080" kern="1200">
           <a:solidFill>
             <a:schemeClr val="tx1"/>
           </a:solidFill>
@@ -3295,8 +2940,8 @@
           <a:cs typeface="+mn-cs"/>
         </a:defRPr>
       </a:lvl7pPr>
-      <a:lvl8pPr marL="3200400" algn="l" defTabSz="914400" rtl="0" eaLnBrk="1" latinLnBrk="0" hangingPunct="1">
-        <a:defRPr sz="1800" kern="1200">
+      <a:lvl8pPr marL="1920240" algn="l" defTabSz="548640" rtl="0" eaLnBrk="1" latinLnBrk="0" hangingPunct="1">
+        <a:defRPr sz="1080" kern="1200">
           <a:solidFill>
             <a:schemeClr val="tx1"/>
           </a:solidFill>
@@ -3305,8 +2950,8 @@
           <a:cs typeface="+mn-cs"/>
         </a:defRPr>
       </a:lvl8pPr>
-      <a:lvl9pPr marL="3657600" algn="l" defTabSz="914400" rtl="0" eaLnBrk="1" latinLnBrk="0" hangingPunct="1">
-        <a:defRPr sz="1800" kern="1200">
+      <a:lvl9pPr marL="2194560" algn="l" defTabSz="548640" rtl="0" eaLnBrk="1" latinLnBrk="0" hangingPunct="1">
+        <a:defRPr sz="1080" kern="1200">
           <a:solidFill>
             <a:schemeClr val="tx1"/>
           </a:solidFill>
@@ -3359,8 +3004,8 @@
         </p:blipFill>
         <p:spPr>
           <a:xfrm>
-            <a:off x="436768" y="2257119"/>
-            <a:ext cx="4273222" cy="2343761"/>
+            <a:off x="105994" y="1348944"/>
+            <a:ext cx="2747023" cy="1506677"/>
           </a:xfrm>
           <a:prstGeom prst="rect">
             <a:avLst/>
@@ -3386,8 +3031,8 @@
         </p:nvSpPr>
         <p:spPr>
           <a:xfrm>
-            <a:off x="2016047" y="1836270"/>
-            <a:ext cx="1114664" cy="276999"/>
+            <a:off x="902200" y="1118110"/>
+            <a:ext cx="1154609" cy="230832"/>
           </a:xfrm>
           <a:prstGeom prst="rect">
             <a:avLst/>
@@ -3395,14 +3040,15 @@
           <a:noFill/>
         </p:spPr>
         <p:txBody>
-          <a:bodyPr wrap="none" rtlCol="0">
+          <a:bodyPr wrap="square" rtlCol="0">
             <a:spAutoFit/>
           </a:bodyPr>
           <a:lstStyle/>
           <a:p>
-            <a:r>
-              <a:rPr lang="en-US" sz="1200" dirty="0"/>
-              <a:t>Definition Files</a:t>
+            <a:pPr algn="ctr"/>
+            <a:r>
+              <a:rPr lang="en-US" sz="900" dirty="0"/>
+              <a:t>Input description</a:t>
             </a:r>
           </a:p>
         </p:txBody>
@@ -3429,8 +3075,8 @@
         </p:blipFill>
         <p:spPr>
           <a:xfrm>
-            <a:off x="5718007" y="4074424"/>
-            <a:ext cx="4273222" cy="2394696"/>
+            <a:off x="3321633" y="2418294"/>
+            <a:ext cx="2747023" cy="1539420"/>
           </a:xfrm>
           <a:prstGeom prst="rect">
             <a:avLst/>
@@ -3464,8 +3110,8 @@
         </p:blipFill>
         <p:spPr>
           <a:xfrm>
-            <a:off x="5956620" y="682813"/>
-            <a:ext cx="3795997" cy="2860912"/>
+            <a:off x="3454533" y="246846"/>
+            <a:ext cx="2440240" cy="1839124"/>
           </a:xfrm>
           <a:prstGeom prst="rect">
             <a:avLst/>
@@ -3491,8 +3137,8 @@
         </p:nvSpPr>
         <p:spPr>
           <a:xfrm>
-            <a:off x="6552219" y="393865"/>
-            <a:ext cx="2516779" cy="276999"/>
+            <a:off x="3672860" y="18153"/>
+            <a:ext cx="2003589" cy="230832"/>
           </a:xfrm>
           <a:prstGeom prst="rect">
             <a:avLst/>
@@ -3500,13 +3146,14 @@
           <a:noFill/>
         </p:spPr>
         <p:txBody>
-          <a:bodyPr wrap="none" rtlCol="0">
+          <a:bodyPr wrap="square" rtlCol="0">
             <a:spAutoFit/>
           </a:bodyPr>
           <a:lstStyle/>
           <a:p>
-            <a:r>
-              <a:rPr lang="en-US" sz="1200" dirty="0"/>
+            <a:pPr algn="ctr"/>
+            <a:r>
+              <a:rPr lang="en-US" sz="900" dirty="0"/>
               <a:t>MODFLOW 6 Input and Output Guide</a:t>
             </a:r>
           </a:p>
@@ -3526,8 +3173,8 @@
         </p:nvSpPr>
         <p:spPr>
           <a:xfrm>
-            <a:off x="6680897" y="3797425"/>
-            <a:ext cx="2546595" cy="276999"/>
+            <a:off x="3607350" y="2187462"/>
+            <a:ext cx="1962637" cy="230832"/>
           </a:xfrm>
           <a:prstGeom prst="rect">
             <a:avLst/>
@@ -3535,17 +3182,17 @@
           <a:noFill/>
         </p:spPr>
         <p:txBody>
-          <a:bodyPr wrap="none" rtlCol="0">
+          <a:bodyPr wrap="square" rtlCol="0">
             <a:spAutoFit/>
           </a:bodyPr>
           <a:lstStyle/>
           <a:p>
             <a:r>
-              <a:rPr lang="en-US" sz="1200" dirty="0" err="1"/>
+              <a:rPr lang="en-US" sz="900" dirty="0" err="1"/>
               <a:t>FloPy</a:t>
             </a:r>
             <a:r>
-              <a:rPr lang="en-US" sz="1200" dirty="0"/>
+              <a:rPr lang="en-US" sz="900" dirty="0"/>
               <a:t> Python Classes for MODFLOW 6</a:t>
             </a:r>
           </a:p>
@@ -3565,8 +3212,8 @@
         </p:nvSpPr>
         <p:spPr>
           <a:xfrm>
-            <a:off x="4810327" y="4074424"/>
-            <a:ext cx="574471" cy="389466"/>
+            <a:off x="2909261" y="2569122"/>
+            <a:ext cx="369296" cy="226175"/>
           </a:xfrm>
           <a:prstGeom prst="rightArrow">
             <a:avLst/>
@@ -3596,7 +3243,7 @@
           <a:lstStyle/>
           <a:p>
             <a:pPr algn="ctr"/>
-            <a:endParaRPr lang="en-US"/>
+            <a:endParaRPr lang="en-US" sz="590"/>
           </a:p>
         </p:txBody>
       </p:sp>
@@ -3614,8 +3261,8 @@
         </p:nvSpPr>
         <p:spPr>
           <a:xfrm>
-            <a:off x="4818099" y="2588843"/>
-            <a:ext cx="574471" cy="389466"/>
+            <a:off x="2913195" y="1403689"/>
+            <a:ext cx="369296" cy="226175"/>
           </a:xfrm>
           <a:prstGeom prst="rightArrow">
             <a:avLst/>
@@ -3645,7 +3292,7 @@
           <a:lstStyle/>
           <a:p>
             <a:pPr algn="ctr"/>
-            <a:endParaRPr lang="en-US"/>
+            <a:endParaRPr lang="en-US" sz="590"/>
           </a:p>
         </p:txBody>
       </p:sp>
@@ -3665,7 +3312,7 @@
 <file path=ppt/theme/theme1.xml><?xml version="1.0" encoding="utf-8"?>
 <a:theme xmlns:a="http://schemas.openxmlformats.org/drawingml/2006/main" name="Office Theme">
   <a:themeElements>
-    <a:clrScheme name="Office">
+    <a:clrScheme name="Office Theme">
       <a:dk1>
         <a:sysClr val="windowText" lastClr="000000"/>
       </a:dk1>
@@ -3703,7 +3350,7 @@
         <a:srgbClr val="954F72"/>
       </a:folHlink>
     </a:clrScheme>
-    <a:fontScheme name="Office">
+    <a:fontScheme name="Office Theme">
       <a:majorFont>
         <a:latin typeface="Calibri Light" panose="020F0302020204030204"/>
         <a:ea typeface=""/>
@@ -3738,23 +3385,6 @@
         <a:font script="Viet" typeface="Times New Roman"/>
         <a:font script="Uigh" typeface="Microsoft Uighur"/>
         <a:font script="Geor" typeface="Sylfaen"/>
-        <a:font script="Armn" typeface="Arial"/>
-        <a:font script="Bugi" typeface="Leelawadee UI"/>
-        <a:font script="Bopo" typeface="Microsoft JhengHei"/>
-        <a:font script="Java" typeface="Javanese Text"/>
-        <a:font script="Lisu" typeface="Segoe UI"/>
-        <a:font script="Mymr" typeface="Myanmar Text"/>
-        <a:font script="Nkoo" typeface="Ebrima"/>
-        <a:font script="Olck" typeface="Nirmala UI"/>
-        <a:font script="Osma" typeface="Ebrima"/>
-        <a:font script="Phag" typeface="Phagspa"/>
-        <a:font script="Syrn" typeface="Estrangelo Edessa"/>
-        <a:font script="Syrj" typeface="Estrangelo Edessa"/>
-        <a:font script="Syre" typeface="Estrangelo Edessa"/>
-        <a:font script="Sora" typeface="Nirmala UI"/>
-        <a:font script="Tale" typeface="Microsoft Tai Le"/>
-        <a:font script="Talu" typeface="Microsoft New Tai Lue"/>
-        <a:font script="Tfng" typeface="Ebrima"/>
       </a:majorFont>
       <a:minorFont>
         <a:latin typeface="Calibri" panose="020F0502020204030204"/>
@@ -3790,26 +3420,9 @@
         <a:font script="Viet" typeface="Arial"/>
         <a:font script="Uigh" typeface="Microsoft Uighur"/>
         <a:font script="Geor" typeface="Sylfaen"/>
-        <a:font script="Armn" typeface="Arial"/>
-        <a:font script="Bugi" typeface="Leelawadee UI"/>
-        <a:font script="Bopo" typeface="Microsoft JhengHei"/>
-        <a:font script="Java" typeface="Javanese Text"/>
-        <a:font script="Lisu" typeface="Segoe UI"/>
-        <a:font script="Mymr" typeface="Myanmar Text"/>
-        <a:font script="Nkoo" typeface="Ebrima"/>
-        <a:font script="Olck" typeface="Nirmala UI"/>
-        <a:font script="Osma" typeface="Ebrima"/>
-        <a:font script="Phag" typeface="Phagspa"/>
-        <a:font script="Syrn" typeface="Estrangelo Edessa"/>
-        <a:font script="Syrj" typeface="Estrangelo Edessa"/>
-        <a:font script="Syre" typeface="Estrangelo Edessa"/>
-        <a:font script="Sora" typeface="Nirmala UI"/>
-        <a:font script="Tale" typeface="Microsoft Tai Le"/>
-        <a:font script="Talu" typeface="Microsoft New Tai Lue"/>
-        <a:font script="Tfng" typeface="Ebrima"/>
       </a:minorFont>
     </a:fontScheme>
-    <a:fmtScheme name="Office">
+    <a:fmtScheme name="Office Theme">
       <a:fillStyleLst>
         <a:solidFill>
           <a:schemeClr val="phClr"/>

--- a/doc/figures/mf6definition.pptx
+++ b/doc/figures/mf6definition.pptx
@@ -254,7 +254,7 @@
           <a:p>
             <a:fld id="{DCE0A673-C478-6D4D-A4B7-394B079139A0}" type="datetimeFigureOut">
               <a:rPr lang="en-US" smtClean="0"/>
-              <a:t>7/29/22</a:t>
+              <a:t>11/16/22</a:t>
             </a:fld>
             <a:endParaRPr lang="en-US"/>
           </a:p>
@@ -424,7 +424,7 @@
           <a:p>
             <a:fld id="{DCE0A673-C478-6D4D-A4B7-394B079139A0}" type="datetimeFigureOut">
               <a:rPr lang="en-US" smtClean="0"/>
-              <a:t>7/29/22</a:t>
+              <a:t>11/16/22</a:t>
             </a:fld>
             <a:endParaRPr lang="en-US"/>
           </a:p>
@@ -604,7 +604,7 @@
           <a:p>
             <a:fld id="{DCE0A673-C478-6D4D-A4B7-394B079139A0}" type="datetimeFigureOut">
               <a:rPr lang="en-US" smtClean="0"/>
-              <a:t>7/29/22</a:t>
+              <a:t>11/16/22</a:t>
             </a:fld>
             <a:endParaRPr lang="en-US"/>
           </a:p>
@@ -774,7 +774,7 @@
           <a:p>
             <a:fld id="{DCE0A673-C478-6D4D-A4B7-394B079139A0}" type="datetimeFigureOut">
               <a:rPr lang="en-US" smtClean="0"/>
-              <a:t>7/29/22</a:t>
+              <a:t>11/16/22</a:t>
             </a:fld>
             <a:endParaRPr lang="en-US"/>
           </a:p>
@@ -1018,7 +1018,7 @@
           <a:p>
             <a:fld id="{DCE0A673-C478-6D4D-A4B7-394B079139A0}" type="datetimeFigureOut">
               <a:rPr lang="en-US" smtClean="0"/>
-              <a:t>7/29/22</a:t>
+              <a:t>11/16/22</a:t>
             </a:fld>
             <a:endParaRPr lang="en-US"/>
           </a:p>
@@ -1250,7 +1250,7 @@
           <a:p>
             <a:fld id="{DCE0A673-C478-6D4D-A4B7-394B079139A0}" type="datetimeFigureOut">
               <a:rPr lang="en-US" smtClean="0"/>
-              <a:t>7/29/22</a:t>
+              <a:t>11/16/22</a:t>
             </a:fld>
             <a:endParaRPr lang="en-US"/>
           </a:p>
@@ -1617,7 +1617,7 @@
           <a:p>
             <a:fld id="{DCE0A673-C478-6D4D-A4B7-394B079139A0}" type="datetimeFigureOut">
               <a:rPr lang="en-US" smtClean="0"/>
-              <a:t>7/29/22</a:t>
+              <a:t>11/16/22</a:t>
             </a:fld>
             <a:endParaRPr lang="en-US"/>
           </a:p>
@@ -1735,7 +1735,7 @@
           <a:p>
             <a:fld id="{DCE0A673-C478-6D4D-A4B7-394B079139A0}" type="datetimeFigureOut">
               <a:rPr lang="en-US" smtClean="0"/>
-              <a:t>7/29/22</a:t>
+              <a:t>11/16/22</a:t>
             </a:fld>
             <a:endParaRPr lang="en-US"/>
           </a:p>
@@ -1830,7 +1830,7 @@
           <a:p>
             <a:fld id="{DCE0A673-C478-6D4D-A4B7-394B079139A0}" type="datetimeFigureOut">
               <a:rPr lang="en-US" smtClean="0"/>
-              <a:t>7/29/22</a:t>
+              <a:t>11/16/22</a:t>
             </a:fld>
             <a:endParaRPr lang="en-US"/>
           </a:p>
@@ -2107,7 +2107,7 @@
           <a:p>
             <a:fld id="{DCE0A673-C478-6D4D-A4B7-394B079139A0}" type="datetimeFigureOut">
               <a:rPr lang="en-US" smtClean="0"/>
-              <a:t>7/29/22</a:t>
+              <a:t>11/16/22</a:t>
             </a:fld>
             <a:endParaRPr lang="en-US"/>
           </a:p>
@@ -2364,7 +2364,7 @@
           <a:p>
             <a:fld id="{DCE0A673-C478-6D4D-A4B7-394B079139A0}" type="datetimeFigureOut">
               <a:rPr lang="en-US" smtClean="0"/>
-              <a:t>7/29/22</a:t>
+              <a:t>11/16/22</a:t>
             </a:fld>
             <a:endParaRPr lang="en-US"/>
           </a:p>
@@ -2577,7 +2577,7 @@
           <a:p>
             <a:fld id="{DCE0A673-C478-6D4D-A4B7-394B079139A0}" type="datetimeFigureOut">
               <a:rPr lang="en-US" smtClean="0"/>
-              <a:t>7/29/22</a:t>
+              <a:t>11/16/22</a:t>
             </a:fld>
             <a:endParaRPr lang="en-US"/>
           </a:p>
@@ -2968,6 +2968,16 @@
 <file path=ppt/slides/slide1.xml><?xml version="1.0" encoding="utf-8"?>
 <p:sld xmlns:a="http://schemas.openxmlformats.org/drawingml/2006/main" xmlns:r="http://schemas.openxmlformats.org/officeDocument/2006/relationships" xmlns:p="http://schemas.openxmlformats.org/presentationml/2006/main">
   <p:cSld>
+    <p:bg>
+      <p:bgPr>
+        <a:solidFill>
+          <a:schemeClr val="bg1">
+            <a:alpha val="0"/>
+          </a:schemeClr>
+        </a:solidFill>
+        <a:effectLst/>
+      </p:bgPr>
+    </p:bg>
     <p:spTree>
       <p:nvGrpSpPr>
         <p:cNvPr id="1" name=""/>
